--- a/file/归一化中心矩.pptx
+++ b/file/归一化中心矩.pptx
@@ -5,7 +5,7 @@
     <p:sldMasterId id="2147483648" r:id="rId1"/>
   </p:sldMasterIdLst>
   <p:notesMasterIdLst>
-    <p:notesMasterId r:id="rId9"/>
+    <p:notesMasterId r:id="rId12"/>
   </p:notesMasterIdLst>
   <p:sldIdLst>
     <p:sldId id="264" r:id="rId2"/>
@@ -15,6 +15,9 @@
     <p:sldId id="267" r:id="rId6"/>
     <p:sldId id="257" r:id="rId7"/>
     <p:sldId id="268" r:id="rId8"/>
+    <p:sldId id="270" r:id="rId9"/>
+    <p:sldId id="272" r:id="rId10"/>
+    <p:sldId id="273" r:id="rId11"/>
   </p:sldIdLst>
   <p:sldSz cx="12192000" cy="6858000"/>
   <p:notesSz cx="6858000" cy="9144000"/>
@@ -121,6 +124,2602 @@
 </p:presentation>
 </file>
 
+<file path=ppt/charts/chart1.xml><?xml version="1.0" encoding="utf-8"?>
+<c:chartSpace xmlns:c="http://schemas.openxmlformats.org/drawingml/2006/chart" xmlns:a="http://schemas.openxmlformats.org/drawingml/2006/main" xmlns:r="http://schemas.openxmlformats.org/officeDocument/2006/relationships" xmlns:c16r2="http://schemas.microsoft.com/office/drawing/2015/06/chart">
+  <c:date1904 val="0"/>
+  <c:lang val="zh-CN"/>
+  <c:roundedCorners val="0"/>
+  <mc:AlternateContent xmlns:mc="http://schemas.openxmlformats.org/markup-compatibility/2006">
+    <mc:Choice xmlns:c14="http://schemas.microsoft.com/office/drawing/2007/8/2/chart" Requires="c14">
+      <c14:style val="102"/>
+    </mc:Choice>
+    <mc:Fallback>
+      <c:style val="2"/>
+    </mc:Fallback>
+  </mc:AlternateContent>
+  <c:chart>
+    <c:title>
+      <c:tx>
+        <c:rich>
+          <a:bodyPr rot="0" spcFirstLastPara="1" vertOverflow="ellipsis" vert="horz" wrap="square" anchor="ctr" anchorCtr="1"/>
+          <a:lstStyle/>
+          <a:p>
+            <a:pPr>
+              <a:defRPr sz="1862" b="0" i="0" u="none" strike="noStrike" kern="1200" spc="0" baseline="0">
+                <a:solidFill>
+                  <a:schemeClr val="tx1">
+                    <a:lumMod val="65000"/>
+                    <a:lumOff val="35000"/>
+                  </a:schemeClr>
+                </a:solidFill>
+                <a:latin typeface="+mn-lt"/>
+                <a:ea typeface="+mn-ea"/>
+                <a:cs typeface="+mn-cs"/>
+              </a:defRPr>
+            </a:pPr>
+            <a:r>
+              <a:rPr lang="zh-CN" altLang="en-US" dirty="0"/>
+              <a:t>三个偏转角度准确</a:t>
+            </a:r>
+          </a:p>
+        </c:rich>
+      </c:tx>
+      <c:overlay val="0"/>
+      <c:spPr>
+        <a:noFill/>
+        <a:ln>
+          <a:noFill/>
+        </a:ln>
+        <a:effectLst/>
+      </c:spPr>
+      <c:txPr>
+        <a:bodyPr rot="0" spcFirstLastPara="1" vertOverflow="ellipsis" vert="horz" wrap="square" anchor="ctr" anchorCtr="1"/>
+        <a:lstStyle/>
+        <a:p>
+          <a:pPr>
+            <a:defRPr sz="1862" b="0" i="0" u="none" strike="noStrike" kern="1200" spc="0" baseline="0">
+              <a:solidFill>
+                <a:schemeClr val="tx1">
+                  <a:lumMod val="65000"/>
+                  <a:lumOff val="35000"/>
+                </a:schemeClr>
+              </a:solidFill>
+              <a:latin typeface="+mn-lt"/>
+              <a:ea typeface="+mn-ea"/>
+              <a:cs typeface="+mn-cs"/>
+            </a:defRPr>
+          </a:pPr>
+          <a:endParaRPr lang="zh-CN"/>
+        </a:p>
+      </c:txPr>
+    </c:title>
+    <c:autoTitleDeleted val="0"/>
+    <c:plotArea>
+      <c:layout/>
+      <c:lineChart>
+        <c:grouping val="standard"/>
+        <c:varyColors val="0"/>
+        <c:ser>
+          <c:idx val="0"/>
+          <c:order val="0"/>
+          <c:tx>
+            <c:strRef>
+              <c:f>Sheet1!$B$1</c:f>
+              <c:strCache>
+                <c:ptCount val="1"/>
+                <c:pt idx="0">
+                  <c:v>L 1</c:v>
+                </c:pt>
+              </c:strCache>
+            </c:strRef>
+          </c:tx>
+          <c:spPr>
+            <a:ln w="28575" cap="rnd">
+              <a:solidFill>
+                <a:schemeClr val="accent1"/>
+              </a:solidFill>
+              <a:round/>
+            </a:ln>
+            <a:effectLst/>
+          </c:spPr>
+          <c:marker>
+            <c:symbol val="circle"/>
+            <c:size val="5"/>
+            <c:spPr>
+              <a:solidFill>
+                <a:schemeClr val="accent1"/>
+              </a:solidFill>
+              <a:ln w="9525">
+                <a:solidFill>
+                  <a:schemeClr val="accent1"/>
+                </a:solidFill>
+              </a:ln>
+              <a:effectLst/>
+            </c:spPr>
+          </c:marker>
+          <c:dLbls>
+            <c:spPr>
+              <a:noFill/>
+              <a:ln>
+                <a:noFill/>
+              </a:ln>
+              <a:effectLst/>
+            </c:spPr>
+            <c:txPr>
+              <a:bodyPr rot="0" spcFirstLastPara="1" vertOverflow="ellipsis" vert="horz" wrap="square" lIns="38100" tIns="19050" rIns="38100" bIns="19050" anchor="ctr" anchorCtr="1">
+                <a:spAutoFit/>
+              </a:bodyPr>
+              <a:lstStyle/>
+              <a:p>
+                <a:pPr>
+                  <a:defRPr sz="1197" b="0" i="0" u="none" strike="noStrike" kern="1200" baseline="0">
+                    <a:solidFill>
+                      <a:schemeClr val="tx1">
+                        <a:lumMod val="75000"/>
+                        <a:lumOff val="25000"/>
+                      </a:schemeClr>
+                    </a:solidFill>
+                    <a:latin typeface="+mn-lt"/>
+                    <a:ea typeface="+mn-ea"/>
+                    <a:cs typeface="+mn-cs"/>
+                  </a:defRPr>
+                </a:pPr>
+                <a:endParaRPr lang="zh-CN"/>
+              </a:p>
+            </c:txPr>
+            <c:dLblPos val="t"/>
+            <c:showLegendKey val="0"/>
+            <c:showVal val="1"/>
+            <c:showCatName val="0"/>
+            <c:showSerName val="0"/>
+            <c:showPercent val="0"/>
+            <c:showBubbleSize val="0"/>
+            <c:showLeaderLines val="0"/>
+            <c:extLst>
+              <c:ext xmlns:c15="http://schemas.microsoft.com/office/drawing/2012/chart" uri="{CE6537A1-D6FC-4f65-9D91-7224C49458BB}">
+                <c15:showLeaderLines val="1"/>
+                <c15:leaderLines>
+                  <c:spPr>
+                    <a:ln w="9525" cap="flat" cmpd="sng" algn="ctr">
+                      <a:solidFill>
+                        <a:schemeClr val="tx1">
+                          <a:lumMod val="35000"/>
+                          <a:lumOff val="65000"/>
+                        </a:schemeClr>
+                      </a:solidFill>
+                      <a:round/>
+                    </a:ln>
+                    <a:effectLst/>
+                  </c:spPr>
+                </c15:leaderLines>
+              </c:ext>
+            </c:extLst>
+          </c:dLbls>
+          <c:cat>
+            <c:numRef>
+              <c:f>Sheet1!$A$2:$A$12</c:f>
+              <c:numCache>
+                <c:formatCode>General</c:formatCode>
+                <c:ptCount val="11"/>
+                <c:pt idx="0">
+                  <c:v>0.5</c:v>
+                </c:pt>
+                <c:pt idx="1">
+                  <c:v>0.6</c:v>
+                </c:pt>
+                <c:pt idx="2">
+                  <c:v>0.7</c:v>
+                </c:pt>
+                <c:pt idx="3">
+                  <c:v>0.8</c:v>
+                </c:pt>
+                <c:pt idx="4">
+                  <c:v>0.9</c:v>
+                </c:pt>
+                <c:pt idx="5">
+                  <c:v>1</c:v>
+                </c:pt>
+                <c:pt idx="6">
+                  <c:v>1.1000000000000001</c:v>
+                </c:pt>
+                <c:pt idx="7">
+                  <c:v>1.2</c:v>
+                </c:pt>
+                <c:pt idx="8">
+                  <c:v>1.3</c:v>
+                </c:pt>
+                <c:pt idx="9">
+                  <c:v>1.4</c:v>
+                </c:pt>
+                <c:pt idx="10">
+                  <c:v>1.5</c:v>
+                </c:pt>
+              </c:numCache>
+            </c:numRef>
+          </c:cat>
+          <c:val>
+            <c:numRef>
+              <c:f>Sheet1!$B$2:$B$12</c:f>
+              <c:numCache>
+                <c:formatCode>General</c:formatCode>
+                <c:ptCount val="11"/>
+                <c:pt idx="0">
+                  <c:v>373</c:v>
+                </c:pt>
+                <c:pt idx="1">
+                  <c:v>522</c:v>
+                </c:pt>
+                <c:pt idx="2">
+                  <c:v>605</c:v>
+                </c:pt>
+                <c:pt idx="3">
+                  <c:v>749</c:v>
+                </c:pt>
+                <c:pt idx="4">
+                  <c:v>840</c:v>
+                </c:pt>
+                <c:pt idx="5">
+                  <c:v>866</c:v>
+                </c:pt>
+                <c:pt idx="6">
+                  <c:v>877</c:v>
+                </c:pt>
+                <c:pt idx="7">
+                  <c:v>862</c:v>
+                </c:pt>
+                <c:pt idx="8">
+                  <c:v>827</c:v>
+                </c:pt>
+                <c:pt idx="9">
+                  <c:v>797</c:v>
+                </c:pt>
+                <c:pt idx="10">
+                  <c:v>769</c:v>
+                </c:pt>
+              </c:numCache>
+            </c:numRef>
+          </c:val>
+          <c:smooth val="0"/>
+          <c:extLst>
+            <c:ext xmlns:c16="http://schemas.microsoft.com/office/drawing/2014/chart" uri="{C3380CC4-5D6E-409C-BE32-E72D297353CC}">
+              <c16:uniqueId val="{00000000-0FFC-4746-AB5F-24BAF93258F4}"/>
+            </c:ext>
+          </c:extLst>
+        </c:ser>
+        <c:ser>
+          <c:idx val="1"/>
+          <c:order val="1"/>
+          <c:tx>
+            <c:strRef>
+              <c:f>Sheet1!$C$1</c:f>
+              <c:strCache>
+                <c:ptCount val="1"/>
+                <c:pt idx="0">
+                  <c:v>L 2</c:v>
+                </c:pt>
+              </c:strCache>
+            </c:strRef>
+          </c:tx>
+          <c:spPr>
+            <a:ln w="28575" cap="rnd">
+              <a:solidFill>
+                <a:schemeClr val="accent2"/>
+              </a:solidFill>
+              <a:round/>
+            </a:ln>
+            <a:effectLst/>
+          </c:spPr>
+          <c:marker>
+            <c:symbol val="circle"/>
+            <c:size val="5"/>
+            <c:spPr>
+              <a:solidFill>
+                <a:schemeClr val="accent2"/>
+              </a:solidFill>
+              <a:ln w="9525">
+                <a:solidFill>
+                  <a:schemeClr val="accent2"/>
+                </a:solidFill>
+              </a:ln>
+              <a:effectLst/>
+            </c:spPr>
+          </c:marker>
+          <c:dLbls>
+            <c:spPr>
+              <a:noFill/>
+              <a:ln>
+                <a:noFill/>
+              </a:ln>
+              <a:effectLst/>
+            </c:spPr>
+            <c:txPr>
+              <a:bodyPr rot="0" spcFirstLastPara="1" vertOverflow="ellipsis" vert="horz" wrap="square" lIns="38100" tIns="19050" rIns="38100" bIns="19050" anchor="ctr" anchorCtr="1">
+                <a:spAutoFit/>
+              </a:bodyPr>
+              <a:lstStyle/>
+              <a:p>
+                <a:pPr>
+                  <a:defRPr sz="1197" b="0" i="0" u="none" strike="noStrike" kern="1200" baseline="0">
+                    <a:solidFill>
+                      <a:schemeClr val="tx1">
+                        <a:lumMod val="75000"/>
+                        <a:lumOff val="25000"/>
+                      </a:schemeClr>
+                    </a:solidFill>
+                    <a:latin typeface="+mn-lt"/>
+                    <a:ea typeface="+mn-ea"/>
+                    <a:cs typeface="+mn-cs"/>
+                  </a:defRPr>
+                </a:pPr>
+                <a:endParaRPr lang="zh-CN"/>
+              </a:p>
+            </c:txPr>
+            <c:dLblPos val="b"/>
+            <c:showLegendKey val="0"/>
+            <c:showVal val="1"/>
+            <c:showCatName val="0"/>
+            <c:showSerName val="0"/>
+            <c:showPercent val="0"/>
+            <c:showBubbleSize val="0"/>
+            <c:showLeaderLines val="0"/>
+            <c:extLst>
+              <c:ext xmlns:c15="http://schemas.microsoft.com/office/drawing/2012/chart" uri="{CE6537A1-D6FC-4f65-9D91-7224C49458BB}">
+                <c15:showLeaderLines val="1"/>
+                <c15:leaderLines>
+                  <c:spPr>
+                    <a:ln w="9525" cap="flat" cmpd="sng" algn="ctr">
+                      <a:solidFill>
+                        <a:schemeClr val="tx1">
+                          <a:lumMod val="35000"/>
+                          <a:lumOff val="65000"/>
+                        </a:schemeClr>
+                      </a:solidFill>
+                      <a:round/>
+                    </a:ln>
+                    <a:effectLst/>
+                  </c:spPr>
+                </c15:leaderLines>
+              </c:ext>
+            </c:extLst>
+          </c:dLbls>
+          <c:cat>
+            <c:numRef>
+              <c:f>Sheet1!$A$2:$A$12</c:f>
+              <c:numCache>
+                <c:formatCode>General</c:formatCode>
+                <c:ptCount val="11"/>
+                <c:pt idx="0">
+                  <c:v>0.5</c:v>
+                </c:pt>
+                <c:pt idx="1">
+                  <c:v>0.6</c:v>
+                </c:pt>
+                <c:pt idx="2">
+                  <c:v>0.7</c:v>
+                </c:pt>
+                <c:pt idx="3">
+                  <c:v>0.8</c:v>
+                </c:pt>
+                <c:pt idx="4">
+                  <c:v>0.9</c:v>
+                </c:pt>
+                <c:pt idx="5">
+                  <c:v>1</c:v>
+                </c:pt>
+                <c:pt idx="6">
+                  <c:v>1.1000000000000001</c:v>
+                </c:pt>
+                <c:pt idx="7">
+                  <c:v>1.2</c:v>
+                </c:pt>
+                <c:pt idx="8">
+                  <c:v>1.3</c:v>
+                </c:pt>
+                <c:pt idx="9">
+                  <c:v>1.4</c:v>
+                </c:pt>
+                <c:pt idx="10">
+                  <c:v>1.5</c:v>
+                </c:pt>
+              </c:numCache>
+            </c:numRef>
+          </c:cat>
+          <c:val>
+            <c:numRef>
+              <c:f>Sheet1!$C$2:$C$12</c:f>
+              <c:numCache>
+                <c:formatCode>General</c:formatCode>
+                <c:ptCount val="11"/>
+                <c:pt idx="0">
+                  <c:v>107</c:v>
+                </c:pt>
+                <c:pt idx="1">
+                  <c:v>298</c:v>
+                </c:pt>
+                <c:pt idx="2">
+                  <c:v>540</c:v>
+                </c:pt>
+                <c:pt idx="3">
+                  <c:v>704</c:v>
+                </c:pt>
+                <c:pt idx="4">
+                  <c:v>800</c:v>
+                </c:pt>
+                <c:pt idx="5">
+                  <c:v>848</c:v>
+                </c:pt>
+                <c:pt idx="6">
+                  <c:v>850</c:v>
+                </c:pt>
+                <c:pt idx="7">
+                  <c:v>818</c:v>
+                </c:pt>
+                <c:pt idx="8">
+                  <c:v>785</c:v>
+                </c:pt>
+                <c:pt idx="9">
+                  <c:v>750</c:v>
+                </c:pt>
+                <c:pt idx="10">
+                  <c:v>716</c:v>
+                </c:pt>
+              </c:numCache>
+            </c:numRef>
+          </c:val>
+          <c:smooth val="0"/>
+          <c:extLst>
+            <c:ext xmlns:c16="http://schemas.microsoft.com/office/drawing/2014/chart" uri="{C3380CC4-5D6E-409C-BE32-E72D297353CC}">
+              <c16:uniqueId val="{00000001-0FFC-4746-AB5F-24BAF93258F4}"/>
+            </c:ext>
+          </c:extLst>
+        </c:ser>
+        <c:dLbls>
+          <c:dLblPos val="t"/>
+          <c:showLegendKey val="0"/>
+          <c:showVal val="1"/>
+          <c:showCatName val="0"/>
+          <c:showSerName val="0"/>
+          <c:showPercent val="0"/>
+          <c:showBubbleSize val="0"/>
+        </c:dLbls>
+        <c:marker val="1"/>
+        <c:smooth val="0"/>
+        <c:axId val="1810908416"/>
+        <c:axId val="1802949168"/>
+      </c:lineChart>
+      <c:catAx>
+        <c:axId val="1810908416"/>
+        <c:scaling>
+          <c:orientation val="minMax"/>
+        </c:scaling>
+        <c:delete val="0"/>
+        <c:axPos val="b"/>
+        <c:title>
+          <c:tx>
+            <c:rich>
+              <a:bodyPr rot="0" spcFirstLastPara="1" vertOverflow="ellipsis" vert="horz" wrap="square" anchor="ctr" anchorCtr="1"/>
+              <a:lstStyle/>
+              <a:p>
+                <a:pPr>
+                  <a:defRPr sz="1330" b="0" i="0" u="none" strike="noStrike" kern="1200" baseline="0">
+                    <a:solidFill>
+                      <a:schemeClr val="tx1">
+                        <a:lumMod val="65000"/>
+                        <a:lumOff val="35000"/>
+                      </a:schemeClr>
+                    </a:solidFill>
+                    <a:latin typeface="+mn-lt"/>
+                    <a:ea typeface="+mn-ea"/>
+                    <a:cs typeface="+mn-cs"/>
+                  </a:defRPr>
+                </a:pPr>
+                <a:r>
+                  <a:rPr lang="zh-CN" altLang="en-US" dirty="0"/>
+                  <a:t>图片比例</a:t>
+                </a:r>
+              </a:p>
+            </c:rich>
+          </c:tx>
+          <c:overlay val="0"/>
+          <c:spPr>
+            <a:noFill/>
+            <a:ln>
+              <a:noFill/>
+            </a:ln>
+            <a:effectLst/>
+          </c:spPr>
+          <c:txPr>
+            <a:bodyPr rot="0" spcFirstLastPara="1" vertOverflow="ellipsis" vert="horz" wrap="square" anchor="ctr" anchorCtr="1"/>
+            <a:lstStyle/>
+            <a:p>
+              <a:pPr>
+                <a:defRPr sz="1330" b="0" i="0" u="none" strike="noStrike" kern="1200" baseline="0">
+                  <a:solidFill>
+                    <a:schemeClr val="tx1">
+                      <a:lumMod val="65000"/>
+                      <a:lumOff val="35000"/>
+                    </a:schemeClr>
+                  </a:solidFill>
+                  <a:latin typeface="+mn-lt"/>
+                  <a:ea typeface="+mn-ea"/>
+                  <a:cs typeface="+mn-cs"/>
+                </a:defRPr>
+              </a:pPr>
+              <a:endParaRPr lang="zh-CN"/>
+            </a:p>
+          </c:txPr>
+        </c:title>
+        <c:numFmt formatCode="General" sourceLinked="1"/>
+        <c:majorTickMark val="none"/>
+        <c:minorTickMark val="none"/>
+        <c:tickLblPos val="nextTo"/>
+        <c:spPr>
+          <a:noFill/>
+          <a:ln w="9525" cap="flat" cmpd="sng" algn="ctr">
+            <a:solidFill>
+              <a:schemeClr val="tx1">
+                <a:lumMod val="15000"/>
+                <a:lumOff val="85000"/>
+              </a:schemeClr>
+            </a:solidFill>
+            <a:round/>
+          </a:ln>
+          <a:effectLst/>
+        </c:spPr>
+        <c:txPr>
+          <a:bodyPr rot="-60000000" spcFirstLastPara="1" vertOverflow="ellipsis" vert="horz" wrap="square" anchor="ctr" anchorCtr="1"/>
+          <a:lstStyle/>
+          <a:p>
+            <a:pPr>
+              <a:defRPr sz="1197" b="0" i="0" u="none" strike="noStrike" kern="1200" baseline="0">
+                <a:solidFill>
+                  <a:schemeClr val="tx1">
+                    <a:lumMod val="65000"/>
+                    <a:lumOff val="35000"/>
+                  </a:schemeClr>
+                </a:solidFill>
+                <a:latin typeface="+mn-lt"/>
+                <a:ea typeface="+mn-ea"/>
+                <a:cs typeface="+mn-cs"/>
+              </a:defRPr>
+            </a:pPr>
+            <a:endParaRPr lang="zh-CN"/>
+          </a:p>
+        </c:txPr>
+        <c:crossAx val="1802949168"/>
+        <c:crosses val="autoZero"/>
+        <c:auto val="1"/>
+        <c:lblAlgn val="ctr"/>
+        <c:lblOffset val="100"/>
+        <c:noMultiLvlLbl val="0"/>
+      </c:catAx>
+      <c:valAx>
+        <c:axId val="1802949168"/>
+        <c:scaling>
+          <c:orientation val="minMax"/>
+        </c:scaling>
+        <c:delete val="0"/>
+        <c:axPos val="l"/>
+        <c:majorGridlines>
+          <c:spPr>
+            <a:ln w="9525" cap="flat" cmpd="sng" algn="ctr">
+              <a:solidFill>
+                <a:schemeClr val="tx1">
+                  <a:lumMod val="15000"/>
+                  <a:lumOff val="85000"/>
+                </a:schemeClr>
+              </a:solidFill>
+              <a:round/>
+            </a:ln>
+            <a:effectLst/>
+          </c:spPr>
+        </c:majorGridlines>
+        <c:title>
+          <c:tx>
+            <c:rich>
+              <a:bodyPr rot="-5400000" spcFirstLastPara="1" vertOverflow="ellipsis" vert="horz" wrap="square" anchor="ctr" anchorCtr="1"/>
+              <a:lstStyle/>
+              <a:p>
+                <a:pPr>
+                  <a:defRPr sz="1330" b="0" i="0" u="none" strike="noStrike" kern="1200" baseline="0">
+                    <a:solidFill>
+                      <a:schemeClr val="tx1">
+                        <a:lumMod val="65000"/>
+                        <a:lumOff val="35000"/>
+                      </a:schemeClr>
+                    </a:solidFill>
+                    <a:latin typeface="+mn-lt"/>
+                    <a:ea typeface="+mn-ea"/>
+                    <a:cs typeface="+mn-cs"/>
+                  </a:defRPr>
+                </a:pPr>
+                <a:r>
+                  <a:rPr lang="zh-CN" altLang="en-US" dirty="0"/>
+                  <a:t>准确数</a:t>
+                </a:r>
+              </a:p>
+            </c:rich>
+          </c:tx>
+          <c:overlay val="0"/>
+          <c:spPr>
+            <a:noFill/>
+            <a:ln>
+              <a:noFill/>
+            </a:ln>
+            <a:effectLst/>
+          </c:spPr>
+          <c:txPr>
+            <a:bodyPr rot="-5400000" spcFirstLastPara="1" vertOverflow="ellipsis" vert="horz" wrap="square" anchor="ctr" anchorCtr="1"/>
+            <a:lstStyle/>
+            <a:p>
+              <a:pPr>
+                <a:defRPr sz="1330" b="0" i="0" u="none" strike="noStrike" kern="1200" baseline="0">
+                  <a:solidFill>
+                    <a:schemeClr val="tx1">
+                      <a:lumMod val="65000"/>
+                      <a:lumOff val="35000"/>
+                    </a:schemeClr>
+                  </a:solidFill>
+                  <a:latin typeface="+mn-lt"/>
+                  <a:ea typeface="+mn-ea"/>
+                  <a:cs typeface="+mn-cs"/>
+                </a:defRPr>
+              </a:pPr>
+              <a:endParaRPr lang="zh-CN"/>
+            </a:p>
+          </c:txPr>
+        </c:title>
+        <c:numFmt formatCode="General" sourceLinked="1"/>
+        <c:majorTickMark val="none"/>
+        <c:minorTickMark val="none"/>
+        <c:tickLblPos val="nextTo"/>
+        <c:spPr>
+          <a:noFill/>
+          <a:ln>
+            <a:noFill/>
+          </a:ln>
+          <a:effectLst/>
+        </c:spPr>
+        <c:txPr>
+          <a:bodyPr rot="-60000000" spcFirstLastPara="1" vertOverflow="ellipsis" vert="horz" wrap="square" anchor="ctr" anchorCtr="1"/>
+          <a:lstStyle/>
+          <a:p>
+            <a:pPr>
+              <a:defRPr sz="1197" b="0" i="0" u="none" strike="noStrike" kern="1200" baseline="0">
+                <a:solidFill>
+                  <a:schemeClr val="tx1">
+                    <a:lumMod val="65000"/>
+                    <a:lumOff val="35000"/>
+                  </a:schemeClr>
+                </a:solidFill>
+                <a:latin typeface="+mn-lt"/>
+                <a:ea typeface="+mn-ea"/>
+                <a:cs typeface="+mn-cs"/>
+              </a:defRPr>
+            </a:pPr>
+            <a:endParaRPr lang="zh-CN"/>
+          </a:p>
+        </c:txPr>
+        <c:crossAx val="1810908416"/>
+        <c:crosses val="autoZero"/>
+        <c:crossBetween val="between"/>
+      </c:valAx>
+      <c:spPr>
+        <a:noFill/>
+        <a:ln>
+          <a:noFill/>
+        </a:ln>
+        <a:effectLst/>
+      </c:spPr>
+    </c:plotArea>
+    <c:legend>
+      <c:legendPos val="b"/>
+      <c:overlay val="0"/>
+      <c:spPr>
+        <a:noFill/>
+        <a:ln>
+          <a:noFill/>
+        </a:ln>
+        <a:effectLst/>
+      </c:spPr>
+      <c:txPr>
+        <a:bodyPr rot="0" spcFirstLastPara="1" vertOverflow="ellipsis" vert="horz" wrap="square" anchor="ctr" anchorCtr="1"/>
+        <a:lstStyle/>
+        <a:p>
+          <a:pPr>
+            <a:defRPr sz="1197" b="0" i="0" u="none" strike="noStrike" kern="1200" baseline="0">
+              <a:solidFill>
+                <a:schemeClr val="tx1">
+                  <a:lumMod val="65000"/>
+                  <a:lumOff val="35000"/>
+                </a:schemeClr>
+              </a:solidFill>
+              <a:latin typeface="+mn-lt"/>
+              <a:ea typeface="+mn-ea"/>
+              <a:cs typeface="+mn-cs"/>
+            </a:defRPr>
+          </a:pPr>
+          <a:endParaRPr lang="zh-CN"/>
+        </a:p>
+      </c:txPr>
+    </c:legend>
+    <c:plotVisOnly val="1"/>
+    <c:dispBlanksAs val="gap"/>
+    <c:extLst>
+      <c:ext xmlns:c16r3="http://schemas.microsoft.com/office/drawing/2017/03/chart" uri="{56B9EC1D-385E-4148-901F-78D8002777C0}">
+        <c16r3:dataDisplayOptions16>
+          <c16r3:dispNaAsBlank val="1"/>
+        </c16r3:dataDisplayOptions16>
+      </c:ext>
+    </c:extLst>
+    <c:showDLblsOverMax val="0"/>
+  </c:chart>
+  <c:spPr>
+    <a:noFill/>
+    <a:ln>
+      <a:noFill/>
+    </a:ln>
+    <a:effectLst/>
+  </c:spPr>
+  <c:txPr>
+    <a:bodyPr/>
+    <a:lstStyle/>
+    <a:p>
+      <a:pPr>
+        <a:defRPr/>
+      </a:pPr>
+      <a:endParaRPr lang="zh-CN"/>
+    </a:p>
+  </c:txPr>
+  <c:externalData r:id="rId3">
+    <c:autoUpdate val="0"/>
+  </c:externalData>
+</c:chartSpace>
+</file>
+
+<file path=ppt/charts/chart2.xml><?xml version="1.0" encoding="utf-8"?>
+<c:chartSpace xmlns:c="http://schemas.openxmlformats.org/drawingml/2006/chart" xmlns:a="http://schemas.openxmlformats.org/drawingml/2006/main" xmlns:r="http://schemas.openxmlformats.org/officeDocument/2006/relationships" xmlns:c16r2="http://schemas.microsoft.com/office/drawing/2015/06/chart">
+  <c:date1904 val="0"/>
+  <c:lang val="zh-CN"/>
+  <c:roundedCorners val="0"/>
+  <mc:AlternateContent xmlns:mc="http://schemas.openxmlformats.org/markup-compatibility/2006">
+    <mc:Choice xmlns:c14="http://schemas.microsoft.com/office/drawing/2007/8/2/chart" Requires="c14">
+      <c14:style val="102"/>
+    </mc:Choice>
+    <mc:Fallback>
+      <c:style val="2"/>
+    </mc:Fallback>
+  </mc:AlternateContent>
+  <c:chart>
+    <c:title>
+      <c:tx>
+        <c:rich>
+          <a:bodyPr rot="0" spcFirstLastPara="1" vertOverflow="ellipsis" vert="horz" wrap="square" anchor="ctr" anchorCtr="1"/>
+          <a:lstStyle/>
+          <a:p>
+            <a:pPr>
+              <a:defRPr sz="1862" b="0" i="0" u="none" strike="noStrike" kern="1200" spc="0" baseline="0">
+                <a:solidFill>
+                  <a:schemeClr val="tx1">
+                    <a:lumMod val="65000"/>
+                    <a:lumOff val="35000"/>
+                  </a:schemeClr>
+                </a:solidFill>
+                <a:latin typeface="+mn-lt"/>
+                <a:ea typeface="+mn-ea"/>
+                <a:cs typeface="+mn-cs"/>
+              </a:defRPr>
+            </a:pPr>
+            <a:r>
+              <a:rPr lang="zh-CN" altLang="en-US" dirty="0"/>
+              <a:t>三个偏转角度不准确</a:t>
+            </a:r>
+          </a:p>
+        </c:rich>
+      </c:tx>
+      <c:overlay val="0"/>
+      <c:spPr>
+        <a:noFill/>
+        <a:ln>
+          <a:noFill/>
+        </a:ln>
+        <a:effectLst/>
+      </c:spPr>
+      <c:txPr>
+        <a:bodyPr rot="0" spcFirstLastPara="1" vertOverflow="ellipsis" vert="horz" wrap="square" anchor="ctr" anchorCtr="1"/>
+        <a:lstStyle/>
+        <a:p>
+          <a:pPr>
+            <a:defRPr sz="1862" b="0" i="0" u="none" strike="noStrike" kern="1200" spc="0" baseline="0">
+              <a:solidFill>
+                <a:schemeClr val="tx1">
+                  <a:lumMod val="65000"/>
+                  <a:lumOff val="35000"/>
+                </a:schemeClr>
+              </a:solidFill>
+              <a:latin typeface="+mn-lt"/>
+              <a:ea typeface="+mn-ea"/>
+              <a:cs typeface="+mn-cs"/>
+            </a:defRPr>
+          </a:pPr>
+          <a:endParaRPr lang="zh-CN"/>
+        </a:p>
+      </c:txPr>
+    </c:title>
+    <c:autoTitleDeleted val="0"/>
+    <c:plotArea>
+      <c:layout/>
+      <c:lineChart>
+        <c:grouping val="standard"/>
+        <c:varyColors val="0"/>
+        <c:ser>
+          <c:idx val="0"/>
+          <c:order val="0"/>
+          <c:tx>
+            <c:strRef>
+              <c:f>Sheet1!$B$1</c:f>
+              <c:strCache>
+                <c:ptCount val="1"/>
+                <c:pt idx="0">
+                  <c:v>L 1</c:v>
+                </c:pt>
+              </c:strCache>
+            </c:strRef>
+          </c:tx>
+          <c:spPr>
+            <a:ln w="28575" cap="rnd">
+              <a:solidFill>
+                <a:schemeClr val="accent1"/>
+              </a:solidFill>
+              <a:round/>
+            </a:ln>
+            <a:effectLst/>
+          </c:spPr>
+          <c:marker>
+            <c:symbol val="circle"/>
+            <c:size val="5"/>
+            <c:spPr>
+              <a:solidFill>
+                <a:schemeClr val="accent1"/>
+              </a:solidFill>
+              <a:ln w="9525">
+                <a:solidFill>
+                  <a:schemeClr val="accent1"/>
+                </a:solidFill>
+              </a:ln>
+              <a:effectLst/>
+            </c:spPr>
+          </c:marker>
+          <c:dLbls>
+            <c:spPr>
+              <a:solidFill>
+                <a:srgbClr val="00B0F0"/>
+              </a:solidFill>
+              <a:ln>
+                <a:noFill/>
+              </a:ln>
+              <a:effectLst/>
+            </c:spPr>
+            <c:txPr>
+              <a:bodyPr rot="0" spcFirstLastPara="1" vertOverflow="ellipsis" vert="horz" wrap="square" lIns="38100" tIns="19050" rIns="38100" bIns="19050" anchor="ctr" anchorCtr="1">
+                <a:spAutoFit/>
+              </a:bodyPr>
+              <a:lstStyle/>
+              <a:p>
+                <a:pPr>
+                  <a:defRPr sz="1197" b="0" i="0" u="none" strike="noStrike" kern="1200" baseline="0">
+                    <a:solidFill>
+                      <a:schemeClr val="tx1">
+                        <a:lumMod val="75000"/>
+                        <a:lumOff val="25000"/>
+                      </a:schemeClr>
+                    </a:solidFill>
+                    <a:latin typeface="+mn-lt"/>
+                    <a:ea typeface="+mn-ea"/>
+                    <a:cs typeface="+mn-cs"/>
+                  </a:defRPr>
+                </a:pPr>
+                <a:endParaRPr lang="zh-CN"/>
+              </a:p>
+            </c:txPr>
+            <c:dLblPos val="r"/>
+            <c:showLegendKey val="0"/>
+            <c:showVal val="1"/>
+            <c:showCatName val="0"/>
+            <c:showSerName val="0"/>
+            <c:showPercent val="0"/>
+            <c:showBubbleSize val="0"/>
+            <c:showLeaderLines val="0"/>
+            <c:extLst>
+              <c:ext xmlns:c15="http://schemas.microsoft.com/office/drawing/2012/chart" uri="{CE6537A1-D6FC-4f65-9D91-7224C49458BB}">
+                <c15:showLeaderLines val="1"/>
+                <c15:leaderLines>
+                  <c:spPr>
+                    <a:ln w="9525" cap="flat" cmpd="sng" algn="ctr">
+                      <a:solidFill>
+                        <a:schemeClr val="tx1">
+                          <a:lumMod val="35000"/>
+                          <a:lumOff val="65000"/>
+                        </a:schemeClr>
+                      </a:solidFill>
+                      <a:round/>
+                    </a:ln>
+                    <a:effectLst/>
+                  </c:spPr>
+                </c15:leaderLines>
+              </c:ext>
+            </c:extLst>
+          </c:dLbls>
+          <c:cat>
+            <c:numRef>
+              <c:f>Sheet1!$A$2:$A$12</c:f>
+              <c:numCache>
+                <c:formatCode>General</c:formatCode>
+                <c:ptCount val="11"/>
+                <c:pt idx="0">
+                  <c:v>0.5</c:v>
+                </c:pt>
+                <c:pt idx="1">
+                  <c:v>0.6</c:v>
+                </c:pt>
+                <c:pt idx="2">
+                  <c:v>0.7</c:v>
+                </c:pt>
+                <c:pt idx="3">
+                  <c:v>0.8</c:v>
+                </c:pt>
+                <c:pt idx="4">
+                  <c:v>0.9</c:v>
+                </c:pt>
+                <c:pt idx="5">
+                  <c:v>1</c:v>
+                </c:pt>
+                <c:pt idx="6">
+                  <c:v>1.1000000000000001</c:v>
+                </c:pt>
+                <c:pt idx="7">
+                  <c:v>1.2</c:v>
+                </c:pt>
+                <c:pt idx="8">
+                  <c:v>1.3</c:v>
+                </c:pt>
+                <c:pt idx="9">
+                  <c:v>1.4</c:v>
+                </c:pt>
+                <c:pt idx="10">
+                  <c:v>1.5</c:v>
+                </c:pt>
+              </c:numCache>
+            </c:numRef>
+          </c:cat>
+          <c:val>
+            <c:numRef>
+              <c:f>Sheet1!$B$2:$B$12</c:f>
+              <c:numCache>
+                <c:formatCode>General</c:formatCode>
+                <c:ptCount val="11"/>
+                <c:pt idx="0">
+                  <c:v>23</c:v>
+                </c:pt>
+                <c:pt idx="1">
+                  <c:v>7</c:v>
+                </c:pt>
+                <c:pt idx="2">
+                  <c:v>4</c:v>
+                </c:pt>
+                <c:pt idx="3">
+                  <c:v>2</c:v>
+                </c:pt>
+                <c:pt idx="4">
+                  <c:v>1</c:v>
+                </c:pt>
+                <c:pt idx="5">
+                  <c:v>1</c:v>
+                </c:pt>
+                <c:pt idx="6">
+                  <c:v>0</c:v>
+                </c:pt>
+                <c:pt idx="7">
+                  <c:v>4</c:v>
+                </c:pt>
+                <c:pt idx="8">
+                  <c:v>5</c:v>
+                </c:pt>
+                <c:pt idx="9">
+                  <c:v>8</c:v>
+                </c:pt>
+                <c:pt idx="10">
+                  <c:v>7</c:v>
+                </c:pt>
+              </c:numCache>
+            </c:numRef>
+          </c:val>
+          <c:smooth val="0"/>
+          <c:extLst>
+            <c:ext xmlns:c16="http://schemas.microsoft.com/office/drawing/2014/chart" uri="{C3380CC4-5D6E-409C-BE32-E72D297353CC}">
+              <c16:uniqueId val="{00000000-0FFC-4746-AB5F-24BAF93258F4}"/>
+            </c:ext>
+          </c:extLst>
+        </c:ser>
+        <c:ser>
+          <c:idx val="1"/>
+          <c:order val="1"/>
+          <c:tx>
+            <c:strRef>
+              <c:f>Sheet1!$C$1</c:f>
+              <c:strCache>
+                <c:ptCount val="1"/>
+                <c:pt idx="0">
+                  <c:v>L 2</c:v>
+                </c:pt>
+              </c:strCache>
+            </c:strRef>
+          </c:tx>
+          <c:spPr>
+            <a:ln w="28575" cap="rnd">
+              <a:solidFill>
+                <a:schemeClr val="accent2"/>
+              </a:solidFill>
+              <a:round/>
+            </a:ln>
+            <a:effectLst/>
+          </c:spPr>
+          <c:marker>
+            <c:symbol val="circle"/>
+            <c:size val="5"/>
+            <c:spPr>
+              <a:solidFill>
+                <a:schemeClr val="accent2"/>
+              </a:solidFill>
+              <a:ln w="9525">
+                <a:solidFill>
+                  <a:schemeClr val="accent2"/>
+                </a:solidFill>
+              </a:ln>
+              <a:effectLst/>
+            </c:spPr>
+          </c:marker>
+          <c:dLbls>
+            <c:spPr>
+              <a:solidFill>
+                <a:schemeClr val="accent2"/>
+              </a:solidFill>
+              <a:ln>
+                <a:noFill/>
+              </a:ln>
+              <a:effectLst/>
+            </c:spPr>
+            <c:txPr>
+              <a:bodyPr rot="0" spcFirstLastPara="1" vertOverflow="ellipsis" vert="horz" wrap="square" lIns="38100" tIns="19050" rIns="38100" bIns="19050" anchor="ctr" anchorCtr="1">
+                <a:spAutoFit/>
+              </a:bodyPr>
+              <a:lstStyle/>
+              <a:p>
+                <a:pPr>
+                  <a:defRPr sz="1197" b="0" i="0" u="none" strike="noStrike" kern="1200" baseline="0">
+                    <a:solidFill>
+                      <a:schemeClr val="tx1">
+                        <a:lumMod val="75000"/>
+                        <a:lumOff val="25000"/>
+                      </a:schemeClr>
+                    </a:solidFill>
+                    <a:latin typeface="+mn-lt"/>
+                    <a:ea typeface="+mn-ea"/>
+                    <a:cs typeface="+mn-cs"/>
+                  </a:defRPr>
+                </a:pPr>
+                <a:endParaRPr lang="zh-CN"/>
+              </a:p>
+            </c:txPr>
+            <c:dLblPos val="t"/>
+            <c:showLegendKey val="0"/>
+            <c:showVal val="1"/>
+            <c:showCatName val="0"/>
+            <c:showSerName val="0"/>
+            <c:showPercent val="0"/>
+            <c:showBubbleSize val="0"/>
+            <c:showLeaderLines val="0"/>
+            <c:extLst>
+              <c:ext xmlns:c15="http://schemas.microsoft.com/office/drawing/2012/chart" uri="{CE6537A1-D6FC-4f65-9D91-7224C49458BB}">
+                <c15:showLeaderLines val="1"/>
+                <c15:leaderLines>
+                  <c:spPr>
+                    <a:ln w="9525" cap="flat" cmpd="sng" algn="ctr">
+                      <a:solidFill>
+                        <a:schemeClr val="tx1">
+                          <a:lumMod val="35000"/>
+                          <a:lumOff val="65000"/>
+                        </a:schemeClr>
+                      </a:solidFill>
+                      <a:round/>
+                    </a:ln>
+                    <a:effectLst/>
+                  </c:spPr>
+                </c15:leaderLines>
+              </c:ext>
+            </c:extLst>
+          </c:dLbls>
+          <c:cat>
+            <c:numRef>
+              <c:f>Sheet1!$A$2:$A$12</c:f>
+              <c:numCache>
+                <c:formatCode>General</c:formatCode>
+                <c:ptCount val="11"/>
+                <c:pt idx="0">
+                  <c:v>0.5</c:v>
+                </c:pt>
+                <c:pt idx="1">
+                  <c:v>0.6</c:v>
+                </c:pt>
+                <c:pt idx="2">
+                  <c:v>0.7</c:v>
+                </c:pt>
+                <c:pt idx="3">
+                  <c:v>0.8</c:v>
+                </c:pt>
+                <c:pt idx="4">
+                  <c:v>0.9</c:v>
+                </c:pt>
+                <c:pt idx="5">
+                  <c:v>1</c:v>
+                </c:pt>
+                <c:pt idx="6">
+                  <c:v>1.1000000000000001</c:v>
+                </c:pt>
+                <c:pt idx="7">
+                  <c:v>1.2</c:v>
+                </c:pt>
+                <c:pt idx="8">
+                  <c:v>1.3</c:v>
+                </c:pt>
+                <c:pt idx="9">
+                  <c:v>1.4</c:v>
+                </c:pt>
+                <c:pt idx="10">
+                  <c:v>1.5</c:v>
+                </c:pt>
+              </c:numCache>
+            </c:numRef>
+          </c:cat>
+          <c:val>
+            <c:numRef>
+              <c:f>Sheet1!$C$2:$C$12</c:f>
+              <c:numCache>
+                <c:formatCode>General</c:formatCode>
+                <c:ptCount val="11"/>
+                <c:pt idx="0">
+                  <c:v>104</c:v>
+                </c:pt>
+                <c:pt idx="1">
+                  <c:v>19</c:v>
+                </c:pt>
+                <c:pt idx="2">
+                  <c:v>4</c:v>
+                </c:pt>
+                <c:pt idx="3">
+                  <c:v>0</c:v>
+                </c:pt>
+                <c:pt idx="4">
+                  <c:v>1</c:v>
+                </c:pt>
+                <c:pt idx="5">
+                  <c:v>1</c:v>
+                </c:pt>
+                <c:pt idx="6">
+                  <c:v>0</c:v>
+                </c:pt>
+                <c:pt idx="7">
+                  <c:v>4</c:v>
+                </c:pt>
+                <c:pt idx="8">
+                  <c:v>4</c:v>
+                </c:pt>
+                <c:pt idx="9">
+                  <c:v>7</c:v>
+                </c:pt>
+                <c:pt idx="10">
+                  <c:v>6</c:v>
+                </c:pt>
+              </c:numCache>
+            </c:numRef>
+          </c:val>
+          <c:smooth val="0"/>
+          <c:extLst>
+            <c:ext xmlns:c16="http://schemas.microsoft.com/office/drawing/2014/chart" uri="{C3380CC4-5D6E-409C-BE32-E72D297353CC}">
+              <c16:uniqueId val="{00000001-0FFC-4746-AB5F-24BAF93258F4}"/>
+            </c:ext>
+          </c:extLst>
+        </c:ser>
+        <c:dLbls>
+          <c:dLblPos val="t"/>
+          <c:showLegendKey val="0"/>
+          <c:showVal val="1"/>
+          <c:showCatName val="0"/>
+          <c:showSerName val="0"/>
+          <c:showPercent val="0"/>
+          <c:showBubbleSize val="0"/>
+        </c:dLbls>
+        <c:marker val="1"/>
+        <c:smooth val="0"/>
+        <c:axId val="1810908416"/>
+        <c:axId val="1802949168"/>
+      </c:lineChart>
+      <c:catAx>
+        <c:axId val="1810908416"/>
+        <c:scaling>
+          <c:orientation val="minMax"/>
+        </c:scaling>
+        <c:delete val="0"/>
+        <c:axPos val="b"/>
+        <c:title>
+          <c:tx>
+            <c:rich>
+              <a:bodyPr rot="0" spcFirstLastPara="1" vertOverflow="ellipsis" vert="horz" wrap="square" anchor="ctr" anchorCtr="1"/>
+              <a:lstStyle/>
+              <a:p>
+                <a:pPr>
+                  <a:defRPr sz="1330" b="0" i="0" u="none" strike="noStrike" kern="1200" baseline="0">
+                    <a:solidFill>
+                      <a:schemeClr val="tx1">
+                        <a:lumMod val="65000"/>
+                        <a:lumOff val="35000"/>
+                      </a:schemeClr>
+                    </a:solidFill>
+                    <a:latin typeface="+mn-lt"/>
+                    <a:ea typeface="+mn-ea"/>
+                    <a:cs typeface="+mn-cs"/>
+                  </a:defRPr>
+                </a:pPr>
+                <a:r>
+                  <a:rPr lang="zh-CN" altLang="en-US" dirty="0"/>
+                  <a:t>图片比例</a:t>
+                </a:r>
+              </a:p>
+            </c:rich>
+          </c:tx>
+          <c:overlay val="0"/>
+          <c:spPr>
+            <a:noFill/>
+            <a:ln>
+              <a:noFill/>
+            </a:ln>
+            <a:effectLst/>
+          </c:spPr>
+          <c:txPr>
+            <a:bodyPr rot="0" spcFirstLastPara="1" vertOverflow="ellipsis" vert="horz" wrap="square" anchor="ctr" anchorCtr="1"/>
+            <a:lstStyle/>
+            <a:p>
+              <a:pPr>
+                <a:defRPr sz="1330" b="0" i="0" u="none" strike="noStrike" kern="1200" baseline="0">
+                  <a:solidFill>
+                    <a:schemeClr val="tx1">
+                      <a:lumMod val="65000"/>
+                      <a:lumOff val="35000"/>
+                    </a:schemeClr>
+                  </a:solidFill>
+                  <a:latin typeface="+mn-lt"/>
+                  <a:ea typeface="+mn-ea"/>
+                  <a:cs typeface="+mn-cs"/>
+                </a:defRPr>
+              </a:pPr>
+              <a:endParaRPr lang="zh-CN"/>
+            </a:p>
+          </c:txPr>
+        </c:title>
+        <c:numFmt formatCode="General" sourceLinked="1"/>
+        <c:majorTickMark val="none"/>
+        <c:minorTickMark val="none"/>
+        <c:tickLblPos val="nextTo"/>
+        <c:spPr>
+          <a:noFill/>
+          <a:ln w="9525" cap="flat" cmpd="sng" algn="ctr">
+            <a:solidFill>
+              <a:schemeClr val="tx1">
+                <a:lumMod val="15000"/>
+                <a:lumOff val="85000"/>
+              </a:schemeClr>
+            </a:solidFill>
+            <a:round/>
+          </a:ln>
+          <a:effectLst/>
+        </c:spPr>
+        <c:txPr>
+          <a:bodyPr rot="-60000000" spcFirstLastPara="1" vertOverflow="ellipsis" vert="horz" wrap="square" anchor="ctr" anchorCtr="1"/>
+          <a:lstStyle/>
+          <a:p>
+            <a:pPr>
+              <a:defRPr sz="1197" b="0" i="0" u="none" strike="noStrike" kern="1200" baseline="0">
+                <a:solidFill>
+                  <a:schemeClr val="tx1">
+                    <a:lumMod val="65000"/>
+                    <a:lumOff val="35000"/>
+                  </a:schemeClr>
+                </a:solidFill>
+                <a:latin typeface="+mn-lt"/>
+                <a:ea typeface="+mn-ea"/>
+                <a:cs typeface="+mn-cs"/>
+              </a:defRPr>
+            </a:pPr>
+            <a:endParaRPr lang="zh-CN"/>
+          </a:p>
+        </c:txPr>
+        <c:crossAx val="1802949168"/>
+        <c:crosses val="autoZero"/>
+        <c:auto val="1"/>
+        <c:lblAlgn val="ctr"/>
+        <c:lblOffset val="100"/>
+        <c:noMultiLvlLbl val="0"/>
+      </c:catAx>
+      <c:valAx>
+        <c:axId val="1802949168"/>
+        <c:scaling>
+          <c:orientation val="minMax"/>
+        </c:scaling>
+        <c:delete val="0"/>
+        <c:axPos val="l"/>
+        <c:majorGridlines>
+          <c:spPr>
+            <a:ln w="9525" cap="flat" cmpd="sng" algn="ctr">
+              <a:solidFill>
+                <a:schemeClr val="tx1">
+                  <a:lumMod val="15000"/>
+                  <a:lumOff val="85000"/>
+                </a:schemeClr>
+              </a:solidFill>
+              <a:round/>
+            </a:ln>
+            <a:effectLst/>
+          </c:spPr>
+        </c:majorGridlines>
+        <c:title>
+          <c:tx>
+            <c:rich>
+              <a:bodyPr rot="-5400000" spcFirstLastPara="1" vertOverflow="ellipsis" vert="horz" wrap="square" anchor="ctr" anchorCtr="1"/>
+              <a:lstStyle/>
+              <a:p>
+                <a:pPr>
+                  <a:defRPr sz="1330" b="0" i="0" u="none" strike="noStrike" kern="1200" baseline="0">
+                    <a:solidFill>
+                      <a:schemeClr val="tx1">
+                        <a:lumMod val="65000"/>
+                        <a:lumOff val="35000"/>
+                      </a:schemeClr>
+                    </a:solidFill>
+                    <a:latin typeface="+mn-lt"/>
+                    <a:ea typeface="+mn-ea"/>
+                    <a:cs typeface="+mn-cs"/>
+                  </a:defRPr>
+                </a:pPr>
+                <a:r>
+                  <a:rPr lang="zh-CN" altLang="en-US" dirty="0"/>
+                  <a:t>错误数</a:t>
+                </a:r>
+              </a:p>
+            </c:rich>
+          </c:tx>
+          <c:overlay val="0"/>
+          <c:spPr>
+            <a:noFill/>
+            <a:ln>
+              <a:noFill/>
+            </a:ln>
+            <a:effectLst/>
+          </c:spPr>
+          <c:txPr>
+            <a:bodyPr rot="-5400000" spcFirstLastPara="1" vertOverflow="ellipsis" vert="horz" wrap="square" anchor="ctr" anchorCtr="1"/>
+            <a:lstStyle/>
+            <a:p>
+              <a:pPr>
+                <a:defRPr sz="1330" b="0" i="0" u="none" strike="noStrike" kern="1200" baseline="0">
+                  <a:solidFill>
+                    <a:schemeClr val="tx1">
+                      <a:lumMod val="65000"/>
+                      <a:lumOff val="35000"/>
+                    </a:schemeClr>
+                  </a:solidFill>
+                  <a:latin typeface="+mn-lt"/>
+                  <a:ea typeface="+mn-ea"/>
+                  <a:cs typeface="+mn-cs"/>
+                </a:defRPr>
+              </a:pPr>
+              <a:endParaRPr lang="zh-CN"/>
+            </a:p>
+          </c:txPr>
+        </c:title>
+        <c:numFmt formatCode="General" sourceLinked="1"/>
+        <c:majorTickMark val="none"/>
+        <c:minorTickMark val="none"/>
+        <c:tickLblPos val="nextTo"/>
+        <c:spPr>
+          <a:noFill/>
+          <a:ln>
+            <a:noFill/>
+          </a:ln>
+          <a:effectLst/>
+        </c:spPr>
+        <c:txPr>
+          <a:bodyPr rot="-60000000" spcFirstLastPara="1" vertOverflow="ellipsis" vert="horz" wrap="square" anchor="ctr" anchorCtr="1"/>
+          <a:lstStyle/>
+          <a:p>
+            <a:pPr>
+              <a:defRPr sz="1197" b="0" i="0" u="none" strike="noStrike" kern="1200" baseline="0">
+                <a:solidFill>
+                  <a:schemeClr val="tx1">
+                    <a:lumMod val="65000"/>
+                    <a:lumOff val="35000"/>
+                  </a:schemeClr>
+                </a:solidFill>
+                <a:latin typeface="+mn-lt"/>
+                <a:ea typeface="+mn-ea"/>
+                <a:cs typeface="+mn-cs"/>
+              </a:defRPr>
+            </a:pPr>
+            <a:endParaRPr lang="zh-CN"/>
+          </a:p>
+        </c:txPr>
+        <c:crossAx val="1810908416"/>
+        <c:crosses val="autoZero"/>
+        <c:crossBetween val="between"/>
+      </c:valAx>
+      <c:spPr>
+        <a:noFill/>
+        <a:ln>
+          <a:noFill/>
+        </a:ln>
+        <a:effectLst/>
+      </c:spPr>
+    </c:plotArea>
+    <c:legend>
+      <c:legendPos val="b"/>
+      <c:overlay val="0"/>
+      <c:spPr>
+        <a:noFill/>
+        <a:ln>
+          <a:noFill/>
+        </a:ln>
+        <a:effectLst/>
+      </c:spPr>
+      <c:txPr>
+        <a:bodyPr rot="0" spcFirstLastPara="1" vertOverflow="ellipsis" vert="horz" wrap="square" anchor="ctr" anchorCtr="1"/>
+        <a:lstStyle/>
+        <a:p>
+          <a:pPr>
+            <a:defRPr sz="1197" b="0" i="0" u="none" strike="noStrike" kern="1200" baseline="0">
+              <a:solidFill>
+                <a:schemeClr val="tx1">
+                  <a:lumMod val="65000"/>
+                  <a:lumOff val="35000"/>
+                </a:schemeClr>
+              </a:solidFill>
+              <a:latin typeface="+mn-lt"/>
+              <a:ea typeface="+mn-ea"/>
+              <a:cs typeface="+mn-cs"/>
+            </a:defRPr>
+          </a:pPr>
+          <a:endParaRPr lang="zh-CN"/>
+        </a:p>
+      </c:txPr>
+    </c:legend>
+    <c:plotVisOnly val="1"/>
+    <c:dispBlanksAs val="gap"/>
+    <c:extLst>
+      <c:ext xmlns:c16r3="http://schemas.microsoft.com/office/drawing/2017/03/chart" uri="{56B9EC1D-385E-4148-901F-78D8002777C0}">
+        <c16r3:dataDisplayOptions16>
+          <c16r3:dispNaAsBlank val="1"/>
+        </c16r3:dataDisplayOptions16>
+      </c:ext>
+    </c:extLst>
+    <c:showDLblsOverMax val="0"/>
+  </c:chart>
+  <c:spPr>
+    <a:noFill/>
+    <a:ln>
+      <a:noFill/>
+    </a:ln>
+    <a:effectLst/>
+  </c:spPr>
+  <c:txPr>
+    <a:bodyPr/>
+    <a:lstStyle/>
+    <a:p>
+      <a:pPr>
+        <a:defRPr/>
+      </a:pPr>
+      <a:endParaRPr lang="zh-CN"/>
+    </a:p>
+  </c:txPr>
+  <c:externalData r:id="rId3">
+    <c:autoUpdate val="0"/>
+  </c:externalData>
+</c:chartSpace>
+</file>
+
+<file path=ppt/charts/colors1.xml><?xml version="1.0" encoding="utf-8"?>
+<cs:colorStyle xmlns:cs="http://schemas.microsoft.com/office/drawing/2012/chartStyle" xmlns:a="http://schemas.openxmlformats.org/drawingml/2006/main" meth="cycle" id="10">
+  <a:schemeClr val="accent1"/>
+  <a:schemeClr val="accent2"/>
+  <a:schemeClr val="accent3"/>
+  <a:schemeClr val="accent4"/>
+  <a:schemeClr val="accent5"/>
+  <a:schemeClr val="accent6"/>
+  <cs:variation/>
+  <cs:variation>
+    <a:lumMod val="60000"/>
+  </cs:variation>
+  <cs:variation>
+    <a:lumMod val="80000"/>
+    <a:lumOff val="20000"/>
+  </cs:variation>
+  <cs:variation>
+    <a:lumMod val="80000"/>
+  </cs:variation>
+  <cs:variation>
+    <a:lumMod val="60000"/>
+    <a:lumOff val="40000"/>
+  </cs:variation>
+  <cs:variation>
+    <a:lumMod val="50000"/>
+  </cs:variation>
+  <cs:variation>
+    <a:lumMod val="70000"/>
+    <a:lumOff val="30000"/>
+  </cs:variation>
+  <cs:variation>
+    <a:lumMod val="70000"/>
+  </cs:variation>
+  <cs:variation>
+    <a:lumMod val="50000"/>
+    <a:lumOff val="50000"/>
+  </cs:variation>
+</cs:colorStyle>
+</file>
+
+<file path=ppt/charts/colors2.xml><?xml version="1.0" encoding="utf-8"?>
+<cs:colorStyle xmlns:cs="http://schemas.microsoft.com/office/drawing/2012/chartStyle" xmlns:a="http://schemas.openxmlformats.org/drawingml/2006/main" meth="cycle" id="10">
+  <a:schemeClr val="accent1"/>
+  <a:schemeClr val="accent2"/>
+  <a:schemeClr val="accent3"/>
+  <a:schemeClr val="accent4"/>
+  <a:schemeClr val="accent5"/>
+  <a:schemeClr val="accent6"/>
+  <cs:variation/>
+  <cs:variation>
+    <a:lumMod val="60000"/>
+  </cs:variation>
+  <cs:variation>
+    <a:lumMod val="80000"/>
+    <a:lumOff val="20000"/>
+  </cs:variation>
+  <cs:variation>
+    <a:lumMod val="80000"/>
+  </cs:variation>
+  <cs:variation>
+    <a:lumMod val="60000"/>
+    <a:lumOff val="40000"/>
+  </cs:variation>
+  <cs:variation>
+    <a:lumMod val="50000"/>
+  </cs:variation>
+  <cs:variation>
+    <a:lumMod val="70000"/>
+    <a:lumOff val="30000"/>
+  </cs:variation>
+  <cs:variation>
+    <a:lumMod val="70000"/>
+  </cs:variation>
+  <cs:variation>
+    <a:lumMod val="50000"/>
+    <a:lumOff val="50000"/>
+  </cs:variation>
+</cs:colorStyle>
+</file>
+
+<file path=ppt/charts/style1.xml><?xml version="1.0" encoding="utf-8"?>
+<cs:chartStyle xmlns:cs="http://schemas.microsoft.com/office/drawing/2012/chartStyle" xmlns:a="http://schemas.openxmlformats.org/drawingml/2006/main" id="332">
+  <cs:axisTitle>
+    <cs:lnRef idx="0"/>
+    <cs:fillRef idx="0"/>
+    <cs:effectRef idx="0"/>
+    <cs:fontRef idx="minor">
+      <a:schemeClr val="tx1">
+        <a:lumMod val="65000"/>
+        <a:lumOff val="35000"/>
+      </a:schemeClr>
+    </cs:fontRef>
+    <cs:defRPr sz="1330" kern="1200"/>
+  </cs:axisTitle>
+  <cs:categoryAxis>
+    <cs:lnRef idx="0"/>
+    <cs:fillRef idx="0"/>
+    <cs:effectRef idx="0"/>
+    <cs:fontRef idx="minor">
+      <a:schemeClr val="tx1">
+        <a:lumMod val="65000"/>
+        <a:lumOff val="35000"/>
+      </a:schemeClr>
+    </cs:fontRef>
+    <cs:spPr>
+      <a:ln w="9525" cap="flat" cmpd="sng" algn="ctr">
+        <a:solidFill>
+          <a:schemeClr val="tx1">
+            <a:lumMod val="15000"/>
+            <a:lumOff val="85000"/>
+          </a:schemeClr>
+        </a:solidFill>
+        <a:round/>
+      </a:ln>
+    </cs:spPr>
+    <cs:defRPr sz="1197" kern="1200"/>
+  </cs:categoryAxis>
+  <cs:chartArea mods="allowNoFillOverride allowNoLineOverride">
+    <cs:lnRef idx="0"/>
+    <cs:fillRef idx="0"/>
+    <cs:effectRef idx="0"/>
+    <cs:fontRef idx="minor">
+      <a:schemeClr val="tx1"/>
+    </cs:fontRef>
+    <cs:spPr>
+      <a:solidFill>
+        <a:schemeClr val="bg1"/>
+      </a:solidFill>
+      <a:ln w="9525" cap="flat" cmpd="sng" algn="ctr">
+        <a:solidFill>
+          <a:schemeClr val="tx1">
+            <a:lumMod val="15000"/>
+            <a:lumOff val="85000"/>
+          </a:schemeClr>
+        </a:solidFill>
+        <a:round/>
+      </a:ln>
+    </cs:spPr>
+    <cs:defRPr sz="1330" kern="1200"/>
+  </cs:chartArea>
+  <cs:dataLabel>
+    <cs:lnRef idx="0"/>
+    <cs:fillRef idx="0"/>
+    <cs:effectRef idx="0"/>
+    <cs:fontRef idx="minor">
+      <a:schemeClr val="tx1">
+        <a:lumMod val="75000"/>
+        <a:lumOff val="25000"/>
+      </a:schemeClr>
+    </cs:fontRef>
+    <cs:defRPr sz="1197" kern="1200"/>
+  </cs:dataLabel>
+  <cs:dataLabelCallout>
+    <cs:lnRef idx="0"/>
+    <cs:fillRef idx="0"/>
+    <cs:effectRef idx="0"/>
+    <cs:fontRef idx="minor">
+      <a:schemeClr val="dk1">
+        <a:lumMod val="65000"/>
+        <a:lumOff val="35000"/>
+      </a:schemeClr>
+    </cs:fontRef>
+    <cs:spPr>
+      <a:solidFill>
+        <a:schemeClr val="lt1"/>
+      </a:solidFill>
+      <a:ln>
+        <a:solidFill>
+          <a:schemeClr val="dk1">
+            <a:lumMod val="25000"/>
+            <a:lumOff val="75000"/>
+          </a:schemeClr>
+        </a:solidFill>
+      </a:ln>
+    </cs:spPr>
+    <cs:defRPr sz="1197" kern="1200"/>
+    <cs:bodyPr rot="0" spcFirstLastPara="1" vertOverflow="clip" horzOverflow="clip" vert="horz" wrap="square" lIns="36576" tIns="18288" rIns="36576" bIns="18288" anchor="ctr" anchorCtr="1">
+      <a:spAutoFit/>
+    </cs:bodyPr>
+  </cs:dataLabelCallout>
+  <cs:dataPoint>
+    <cs:lnRef idx="0"/>
+    <cs:fillRef idx="1">
+      <cs:styleClr val="auto"/>
+    </cs:fillRef>
+    <cs:effectRef idx="0"/>
+    <cs:fontRef idx="minor">
+      <a:schemeClr val="tx1"/>
+    </cs:fontRef>
+  </cs:dataPoint>
+  <cs:dataPoint3D>
+    <cs:lnRef idx="0"/>
+    <cs:fillRef idx="1">
+      <cs:styleClr val="auto"/>
+    </cs:fillRef>
+    <cs:effectRef idx="0"/>
+    <cs:fontRef idx="minor">
+      <a:schemeClr val="tx1"/>
+    </cs:fontRef>
+  </cs:dataPoint3D>
+  <cs:dataPointLine>
+    <cs:lnRef idx="0">
+      <cs:styleClr val="auto"/>
+    </cs:lnRef>
+    <cs:fillRef idx="1"/>
+    <cs:effectRef idx="0"/>
+    <cs:fontRef idx="minor">
+      <a:schemeClr val="tx1"/>
+    </cs:fontRef>
+    <cs:spPr>
+      <a:ln w="28575" cap="rnd">
+        <a:solidFill>
+          <a:schemeClr val="phClr"/>
+        </a:solidFill>
+        <a:round/>
+      </a:ln>
+    </cs:spPr>
+  </cs:dataPointLine>
+  <cs:dataPointMarker>
+    <cs:lnRef idx="0">
+      <cs:styleClr val="auto"/>
+    </cs:lnRef>
+    <cs:fillRef idx="1">
+      <cs:styleClr val="auto"/>
+    </cs:fillRef>
+    <cs:effectRef idx="0"/>
+    <cs:fontRef idx="minor">
+      <a:schemeClr val="tx1"/>
+    </cs:fontRef>
+    <cs:spPr>
+      <a:ln w="9525">
+        <a:solidFill>
+          <a:schemeClr val="phClr"/>
+        </a:solidFill>
+      </a:ln>
+    </cs:spPr>
+  </cs:dataPointMarker>
+  <cs:dataPointMarkerLayout symbol="circle" size="5"/>
+  <cs:dataPointWireframe>
+    <cs:lnRef idx="0">
+      <cs:styleClr val="auto"/>
+    </cs:lnRef>
+    <cs:fillRef idx="1"/>
+    <cs:effectRef idx="0"/>
+    <cs:fontRef idx="minor">
+      <a:schemeClr val="tx1"/>
+    </cs:fontRef>
+    <cs:spPr>
+      <a:ln w="9525" cap="rnd">
+        <a:solidFill>
+          <a:schemeClr val="phClr"/>
+        </a:solidFill>
+        <a:round/>
+      </a:ln>
+    </cs:spPr>
+  </cs:dataPointWireframe>
+  <cs:dataTable>
+    <cs:lnRef idx="0"/>
+    <cs:fillRef idx="0"/>
+    <cs:effectRef idx="0"/>
+    <cs:fontRef idx="minor">
+      <a:schemeClr val="tx1">
+        <a:lumMod val="65000"/>
+        <a:lumOff val="35000"/>
+      </a:schemeClr>
+    </cs:fontRef>
+    <cs:spPr>
+      <a:noFill/>
+      <a:ln w="9525" cap="flat" cmpd="sng" algn="ctr">
+        <a:solidFill>
+          <a:schemeClr val="tx1">
+            <a:lumMod val="15000"/>
+            <a:lumOff val="85000"/>
+          </a:schemeClr>
+        </a:solidFill>
+        <a:round/>
+      </a:ln>
+    </cs:spPr>
+    <cs:defRPr sz="1197" kern="1200"/>
+  </cs:dataTable>
+  <cs:downBar>
+    <cs:lnRef idx="0"/>
+    <cs:fillRef idx="0"/>
+    <cs:effectRef idx="0"/>
+    <cs:fontRef idx="minor">
+      <a:schemeClr val="dk1"/>
+    </cs:fontRef>
+    <cs:spPr>
+      <a:solidFill>
+        <a:schemeClr val="dk1">
+          <a:lumMod val="65000"/>
+          <a:lumOff val="35000"/>
+        </a:schemeClr>
+      </a:solidFill>
+      <a:ln w="9525">
+        <a:solidFill>
+          <a:schemeClr val="tx1">
+            <a:lumMod val="65000"/>
+            <a:lumOff val="35000"/>
+          </a:schemeClr>
+        </a:solidFill>
+      </a:ln>
+    </cs:spPr>
+  </cs:downBar>
+  <cs:dropLine>
+    <cs:lnRef idx="0"/>
+    <cs:fillRef idx="0"/>
+    <cs:effectRef idx="0"/>
+    <cs:fontRef idx="minor">
+      <a:schemeClr val="tx1"/>
+    </cs:fontRef>
+    <cs:spPr>
+      <a:ln w="9525" cap="flat" cmpd="sng" algn="ctr">
+        <a:solidFill>
+          <a:schemeClr val="tx1">
+            <a:lumMod val="35000"/>
+            <a:lumOff val="65000"/>
+          </a:schemeClr>
+        </a:solidFill>
+        <a:round/>
+      </a:ln>
+    </cs:spPr>
+  </cs:dropLine>
+  <cs:errorBar>
+    <cs:lnRef idx="0"/>
+    <cs:fillRef idx="0"/>
+    <cs:effectRef idx="0"/>
+    <cs:fontRef idx="minor">
+      <a:schemeClr val="tx1"/>
+    </cs:fontRef>
+    <cs:spPr>
+      <a:ln w="9525" cap="flat" cmpd="sng" algn="ctr">
+        <a:solidFill>
+          <a:schemeClr val="tx1">
+            <a:lumMod val="65000"/>
+            <a:lumOff val="35000"/>
+          </a:schemeClr>
+        </a:solidFill>
+        <a:round/>
+      </a:ln>
+    </cs:spPr>
+  </cs:errorBar>
+  <cs:floor>
+    <cs:lnRef idx="0"/>
+    <cs:fillRef idx="0"/>
+    <cs:effectRef idx="0"/>
+    <cs:fontRef idx="minor">
+      <a:schemeClr val="tx1"/>
+    </cs:fontRef>
+    <cs:spPr>
+      <a:noFill/>
+      <a:ln>
+        <a:noFill/>
+      </a:ln>
+    </cs:spPr>
+  </cs:floor>
+  <cs:gridlineMajor>
+    <cs:lnRef idx="0"/>
+    <cs:fillRef idx="0"/>
+    <cs:effectRef idx="0"/>
+    <cs:fontRef idx="minor">
+      <a:schemeClr val="tx1"/>
+    </cs:fontRef>
+    <cs:spPr>
+      <a:ln w="9525" cap="flat" cmpd="sng" algn="ctr">
+        <a:solidFill>
+          <a:schemeClr val="tx1">
+            <a:lumMod val="15000"/>
+            <a:lumOff val="85000"/>
+          </a:schemeClr>
+        </a:solidFill>
+        <a:round/>
+      </a:ln>
+    </cs:spPr>
+  </cs:gridlineMajor>
+  <cs:gridlineMinor>
+    <cs:lnRef idx="0"/>
+    <cs:fillRef idx="0"/>
+    <cs:effectRef idx="0"/>
+    <cs:fontRef idx="minor">
+      <a:schemeClr val="tx1"/>
+    </cs:fontRef>
+    <cs:spPr>
+      <a:ln w="9525" cap="flat" cmpd="sng" algn="ctr">
+        <a:solidFill>
+          <a:schemeClr val="tx1">
+            <a:lumMod val="5000"/>
+            <a:lumOff val="95000"/>
+          </a:schemeClr>
+        </a:solidFill>
+        <a:round/>
+      </a:ln>
+    </cs:spPr>
+  </cs:gridlineMinor>
+  <cs:hiLoLine>
+    <cs:lnRef idx="0"/>
+    <cs:fillRef idx="0"/>
+    <cs:effectRef idx="0"/>
+    <cs:fontRef idx="minor">
+      <a:schemeClr val="tx1"/>
+    </cs:fontRef>
+    <cs:spPr>
+      <a:ln w="9525" cap="flat" cmpd="sng" algn="ctr">
+        <a:solidFill>
+          <a:schemeClr val="tx1">
+            <a:lumMod val="75000"/>
+            <a:lumOff val="25000"/>
+          </a:schemeClr>
+        </a:solidFill>
+        <a:round/>
+      </a:ln>
+    </cs:spPr>
+  </cs:hiLoLine>
+  <cs:leaderLine>
+    <cs:lnRef idx="0"/>
+    <cs:fillRef idx="0"/>
+    <cs:effectRef idx="0"/>
+    <cs:fontRef idx="minor">
+      <a:schemeClr val="tx1"/>
+    </cs:fontRef>
+    <cs:spPr>
+      <a:ln w="9525" cap="flat" cmpd="sng" algn="ctr">
+        <a:solidFill>
+          <a:schemeClr val="tx1">
+            <a:lumMod val="35000"/>
+            <a:lumOff val="65000"/>
+          </a:schemeClr>
+        </a:solidFill>
+        <a:round/>
+      </a:ln>
+    </cs:spPr>
+  </cs:leaderLine>
+  <cs:legend>
+    <cs:lnRef idx="0"/>
+    <cs:fillRef idx="0"/>
+    <cs:effectRef idx="0"/>
+    <cs:fontRef idx="minor">
+      <a:schemeClr val="tx1">
+        <a:lumMod val="65000"/>
+        <a:lumOff val="35000"/>
+      </a:schemeClr>
+    </cs:fontRef>
+    <cs:defRPr sz="1197" kern="1200"/>
+  </cs:legend>
+  <cs:plotArea mods="allowNoFillOverride allowNoLineOverride">
+    <cs:lnRef idx="0"/>
+    <cs:fillRef idx="0"/>
+    <cs:effectRef idx="0"/>
+    <cs:fontRef idx="minor">
+      <a:schemeClr val="tx1"/>
+    </cs:fontRef>
+  </cs:plotArea>
+  <cs:plotArea3D mods="allowNoFillOverride allowNoLineOverride">
+    <cs:lnRef idx="0"/>
+    <cs:fillRef idx="0"/>
+    <cs:effectRef idx="0"/>
+    <cs:fontRef idx="minor">
+      <a:schemeClr val="tx1"/>
+    </cs:fontRef>
+  </cs:plotArea3D>
+  <cs:seriesAxis>
+    <cs:lnRef idx="0"/>
+    <cs:fillRef idx="0"/>
+    <cs:effectRef idx="0"/>
+    <cs:fontRef idx="minor">
+      <a:schemeClr val="tx1">
+        <a:lumMod val="65000"/>
+        <a:lumOff val="35000"/>
+      </a:schemeClr>
+    </cs:fontRef>
+    <cs:defRPr sz="1197" kern="1200"/>
+  </cs:seriesAxis>
+  <cs:seriesLine>
+    <cs:lnRef idx="0"/>
+    <cs:fillRef idx="0"/>
+    <cs:effectRef idx="0"/>
+    <cs:fontRef idx="minor">
+      <a:schemeClr val="tx1"/>
+    </cs:fontRef>
+    <cs:spPr>
+      <a:ln w="9525" cap="flat" cmpd="sng" algn="ctr">
+        <a:solidFill>
+          <a:schemeClr val="tx1">
+            <a:lumMod val="35000"/>
+            <a:lumOff val="65000"/>
+          </a:schemeClr>
+        </a:solidFill>
+        <a:round/>
+      </a:ln>
+    </cs:spPr>
+  </cs:seriesLine>
+  <cs:title>
+    <cs:lnRef idx="0"/>
+    <cs:fillRef idx="0"/>
+    <cs:effectRef idx="0"/>
+    <cs:fontRef idx="minor">
+      <a:schemeClr val="tx1">
+        <a:lumMod val="65000"/>
+        <a:lumOff val="35000"/>
+      </a:schemeClr>
+    </cs:fontRef>
+    <cs:defRPr sz="1862" b="0" kern="1200" spc="0" baseline="0"/>
+  </cs:title>
+  <cs:trendline>
+    <cs:lnRef idx="0">
+      <cs:styleClr val="auto"/>
+    </cs:lnRef>
+    <cs:fillRef idx="0"/>
+    <cs:effectRef idx="0"/>
+    <cs:fontRef idx="minor">
+      <a:schemeClr val="tx1"/>
+    </cs:fontRef>
+    <cs:spPr>
+      <a:ln w="19050" cap="rnd">
+        <a:solidFill>
+          <a:schemeClr val="phClr"/>
+        </a:solidFill>
+        <a:prstDash val="sysDot"/>
+      </a:ln>
+    </cs:spPr>
+  </cs:trendline>
+  <cs:trendlineLabel>
+    <cs:lnRef idx="0"/>
+    <cs:fillRef idx="0"/>
+    <cs:effectRef idx="0"/>
+    <cs:fontRef idx="minor">
+      <a:schemeClr val="tx1">
+        <a:lumMod val="65000"/>
+        <a:lumOff val="35000"/>
+      </a:schemeClr>
+    </cs:fontRef>
+    <cs:defRPr sz="1197" kern="1200"/>
+  </cs:trendlineLabel>
+  <cs:upBar>
+    <cs:lnRef idx="0"/>
+    <cs:fillRef idx="0"/>
+    <cs:effectRef idx="0"/>
+    <cs:fontRef idx="minor">
+      <a:schemeClr val="dk1"/>
+    </cs:fontRef>
+    <cs:spPr>
+      <a:solidFill>
+        <a:schemeClr val="lt1"/>
+      </a:solidFill>
+      <a:ln w="9525">
+        <a:solidFill>
+          <a:schemeClr val="tx1">
+            <a:lumMod val="15000"/>
+            <a:lumOff val="85000"/>
+          </a:schemeClr>
+        </a:solidFill>
+      </a:ln>
+    </cs:spPr>
+  </cs:upBar>
+  <cs:valueAxis>
+    <cs:lnRef idx="0"/>
+    <cs:fillRef idx="0"/>
+    <cs:effectRef idx="0"/>
+    <cs:fontRef idx="minor">
+      <a:schemeClr val="tx1">
+        <a:lumMod val="65000"/>
+        <a:lumOff val="35000"/>
+      </a:schemeClr>
+    </cs:fontRef>
+    <cs:defRPr sz="1197" kern="1200"/>
+  </cs:valueAxis>
+  <cs:wall>
+    <cs:lnRef idx="0"/>
+    <cs:fillRef idx="0"/>
+    <cs:effectRef idx="0"/>
+    <cs:fontRef idx="minor">
+      <a:schemeClr val="tx1"/>
+    </cs:fontRef>
+    <cs:spPr>
+      <a:noFill/>
+      <a:ln>
+        <a:noFill/>
+      </a:ln>
+    </cs:spPr>
+  </cs:wall>
+</cs:chartStyle>
+</file>
+
+<file path=ppt/charts/style2.xml><?xml version="1.0" encoding="utf-8"?>
+<cs:chartStyle xmlns:cs="http://schemas.microsoft.com/office/drawing/2012/chartStyle" xmlns:a="http://schemas.openxmlformats.org/drawingml/2006/main" id="332">
+  <cs:axisTitle>
+    <cs:lnRef idx="0"/>
+    <cs:fillRef idx="0"/>
+    <cs:effectRef idx="0"/>
+    <cs:fontRef idx="minor">
+      <a:schemeClr val="tx1">
+        <a:lumMod val="65000"/>
+        <a:lumOff val="35000"/>
+      </a:schemeClr>
+    </cs:fontRef>
+    <cs:defRPr sz="1330" kern="1200"/>
+  </cs:axisTitle>
+  <cs:categoryAxis>
+    <cs:lnRef idx="0"/>
+    <cs:fillRef idx="0"/>
+    <cs:effectRef idx="0"/>
+    <cs:fontRef idx="minor">
+      <a:schemeClr val="tx1">
+        <a:lumMod val="65000"/>
+        <a:lumOff val="35000"/>
+      </a:schemeClr>
+    </cs:fontRef>
+    <cs:spPr>
+      <a:ln w="9525" cap="flat" cmpd="sng" algn="ctr">
+        <a:solidFill>
+          <a:schemeClr val="tx1">
+            <a:lumMod val="15000"/>
+            <a:lumOff val="85000"/>
+          </a:schemeClr>
+        </a:solidFill>
+        <a:round/>
+      </a:ln>
+    </cs:spPr>
+    <cs:defRPr sz="1197" kern="1200"/>
+  </cs:categoryAxis>
+  <cs:chartArea mods="allowNoFillOverride allowNoLineOverride">
+    <cs:lnRef idx="0"/>
+    <cs:fillRef idx="0"/>
+    <cs:effectRef idx="0"/>
+    <cs:fontRef idx="minor">
+      <a:schemeClr val="tx1"/>
+    </cs:fontRef>
+    <cs:spPr>
+      <a:solidFill>
+        <a:schemeClr val="bg1"/>
+      </a:solidFill>
+      <a:ln w="9525" cap="flat" cmpd="sng" algn="ctr">
+        <a:solidFill>
+          <a:schemeClr val="tx1">
+            <a:lumMod val="15000"/>
+            <a:lumOff val="85000"/>
+          </a:schemeClr>
+        </a:solidFill>
+        <a:round/>
+      </a:ln>
+    </cs:spPr>
+    <cs:defRPr sz="1330" kern="1200"/>
+  </cs:chartArea>
+  <cs:dataLabel>
+    <cs:lnRef idx="0"/>
+    <cs:fillRef idx="0"/>
+    <cs:effectRef idx="0"/>
+    <cs:fontRef idx="minor">
+      <a:schemeClr val="tx1">
+        <a:lumMod val="75000"/>
+        <a:lumOff val="25000"/>
+      </a:schemeClr>
+    </cs:fontRef>
+    <cs:defRPr sz="1197" kern="1200"/>
+  </cs:dataLabel>
+  <cs:dataLabelCallout>
+    <cs:lnRef idx="0"/>
+    <cs:fillRef idx="0"/>
+    <cs:effectRef idx="0"/>
+    <cs:fontRef idx="minor">
+      <a:schemeClr val="dk1">
+        <a:lumMod val="65000"/>
+        <a:lumOff val="35000"/>
+      </a:schemeClr>
+    </cs:fontRef>
+    <cs:spPr>
+      <a:solidFill>
+        <a:schemeClr val="lt1"/>
+      </a:solidFill>
+      <a:ln>
+        <a:solidFill>
+          <a:schemeClr val="dk1">
+            <a:lumMod val="25000"/>
+            <a:lumOff val="75000"/>
+          </a:schemeClr>
+        </a:solidFill>
+      </a:ln>
+    </cs:spPr>
+    <cs:defRPr sz="1197" kern="1200"/>
+    <cs:bodyPr rot="0" spcFirstLastPara="1" vertOverflow="clip" horzOverflow="clip" vert="horz" wrap="square" lIns="36576" tIns="18288" rIns="36576" bIns="18288" anchor="ctr" anchorCtr="1">
+      <a:spAutoFit/>
+    </cs:bodyPr>
+  </cs:dataLabelCallout>
+  <cs:dataPoint>
+    <cs:lnRef idx="0"/>
+    <cs:fillRef idx="1">
+      <cs:styleClr val="auto"/>
+    </cs:fillRef>
+    <cs:effectRef idx="0"/>
+    <cs:fontRef idx="minor">
+      <a:schemeClr val="tx1"/>
+    </cs:fontRef>
+  </cs:dataPoint>
+  <cs:dataPoint3D>
+    <cs:lnRef idx="0"/>
+    <cs:fillRef idx="1">
+      <cs:styleClr val="auto"/>
+    </cs:fillRef>
+    <cs:effectRef idx="0"/>
+    <cs:fontRef idx="minor">
+      <a:schemeClr val="tx1"/>
+    </cs:fontRef>
+  </cs:dataPoint3D>
+  <cs:dataPointLine>
+    <cs:lnRef idx="0">
+      <cs:styleClr val="auto"/>
+    </cs:lnRef>
+    <cs:fillRef idx="1"/>
+    <cs:effectRef idx="0"/>
+    <cs:fontRef idx="minor">
+      <a:schemeClr val="tx1"/>
+    </cs:fontRef>
+    <cs:spPr>
+      <a:ln w="28575" cap="rnd">
+        <a:solidFill>
+          <a:schemeClr val="phClr"/>
+        </a:solidFill>
+        <a:round/>
+      </a:ln>
+    </cs:spPr>
+  </cs:dataPointLine>
+  <cs:dataPointMarker>
+    <cs:lnRef idx="0">
+      <cs:styleClr val="auto"/>
+    </cs:lnRef>
+    <cs:fillRef idx="1">
+      <cs:styleClr val="auto"/>
+    </cs:fillRef>
+    <cs:effectRef idx="0"/>
+    <cs:fontRef idx="minor">
+      <a:schemeClr val="tx1"/>
+    </cs:fontRef>
+    <cs:spPr>
+      <a:ln w="9525">
+        <a:solidFill>
+          <a:schemeClr val="phClr"/>
+        </a:solidFill>
+      </a:ln>
+    </cs:spPr>
+  </cs:dataPointMarker>
+  <cs:dataPointMarkerLayout symbol="circle" size="5"/>
+  <cs:dataPointWireframe>
+    <cs:lnRef idx="0">
+      <cs:styleClr val="auto"/>
+    </cs:lnRef>
+    <cs:fillRef idx="1"/>
+    <cs:effectRef idx="0"/>
+    <cs:fontRef idx="minor">
+      <a:schemeClr val="tx1"/>
+    </cs:fontRef>
+    <cs:spPr>
+      <a:ln w="9525" cap="rnd">
+        <a:solidFill>
+          <a:schemeClr val="phClr"/>
+        </a:solidFill>
+        <a:round/>
+      </a:ln>
+    </cs:spPr>
+  </cs:dataPointWireframe>
+  <cs:dataTable>
+    <cs:lnRef idx="0"/>
+    <cs:fillRef idx="0"/>
+    <cs:effectRef idx="0"/>
+    <cs:fontRef idx="minor">
+      <a:schemeClr val="tx1">
+        <a:lumMod val="65000"/>
+        <a:lumOff val="35000"/>
+      </a:schemeClr>
+    </cs:fontRef>
+    <cs:spPr>
+      <a:noFill/>
+      <a:ln w="9525" cap="flat" cmpd="sng" algn="ctr">
+        <a:solidFill>
+          <a:schemeClr val="tx1">
+            <a:lumMod val="15000"/>
+            <a:lumOff val="85000"/>
+          </a:schemeClr>
+        </a:solidFill>
+        <a:round/>
+      </a:ln>
+    </cs:spPr>
+    <cs:defRPr sz="1197" kern="1200"/>
+  </cs:dataTable>
+  <cs:downBar>
+    <cs:lnRef idx="0"/>
+    <cs:fillRef idx="0"/>
+    <cs:effectRef idx="0"/>
+    <cs:fontRef idx="minor">
+      <a:schemeClr val="dk1"/>
+    </cs:fontRef>
+    <cs:spPr>
+      <a:solidFill>
+        <a:schemeClr val="dk1">
+          <a:lumMod val="65000"/>
+          <a:lumOff val="35000"/>
+        </a:schemeClr>
+      </a:solidFill>
+      <a:ln w="9525">
+        <a:solidFill>
+          <a:schemeClr val="tx1">
+            <a:lumMod val="65000"/>
+            <a:lumOff val="35000"/>
+          </a:schemeClr>
+        </a:solidFill>
+      </a:ln>
+    </cs:spPr>
+  </cs:downBar>
+  <cs:dropLine>
+    <cs:lnRef idx="0"/>
+    <cs:fillRef idx="0"/>
+    <cs:effectRef idx="0"/>
+    <cs:fontRef idx="minor">
+      <a:schemeClr val="tx1"/>
+    </cs:fontRef>
+    <cs:spPr>
+      <a:ln w="9525" cap="flat" cmpd="sng" algn="ctr">
+        <a:solidFill>
+          <a:schemeClr val="tx1">
+            <a:lumMod val="35000"/>
+            <a:lumOff val="65000"/>
+          </a:schemeClr>
+        </a:solidFill>
+        <a:round/>
+      </a:ln>
+    </cs:spPr>
+  </cs:dropLine>
+  <cs:errorBar>
+    <cs:lnRef idx="0"/>
+    <cs:fillRef idx="0"/>
+    <cs:effectRef idx="0"/>
+    <cs:fontRef idx="minor">
+      <a:schemeClr val="tx1"/>
+    </cs:fontRef>
+    <cs:spPr>
+      <a:ln w="9525" cap="flat" cmpd="sng" algn="ctr">
+        <a:solidFill>
+          <a:schemeClr val="tx1">
+            <a:lumMod val="65000"/>
+            <a:lumOff val="35000"/>
+          </a:schemeClr>
+        </a:solidFill>
+        <a:round/>
+      </a:ln>
+    </cs:spPr>
+  </cs:errorBar>
+  <cs:floor>
+    <cs:lnRef idx="0"/>
+    <cs:fillRef idx="0"/>
+    <cs:effectRef idx="0"/>
+    <cs:fontRef idx="minor">
+      <a:schemeClr val="tx1"/>
+    </cs:fontRef>
+    <cs:spPr>
+      <a:noFill/>
+      <a:ln>
+        <a:noFill/>
+      </a:ln>
+    </cs:spPr>
+  </cs:floor>
+  <cs:gridlineMajor>
+    <cs:lnRef idx="0"/>
+    <cs:fillRef idx="0"/>
+    <cs:effectRef idx="0"/>
+    <cs:fontRef idx="minor">
+      <a:schemeClr val="tx1"/>
+    </cs:fontRef>
+    <cs:spPr>
+      <a:ln w="9525" cap="flat" cmpd="sng" algn="ctr">
+        <a:solidFill>
+          <a:schemeClr val="tx1">
+            <a:lumMod val="15000"/>
+            <a:lumOff val="85000"/>
+          </a:schemeClr>
+        </a:solidFill>
+        <a:round/>
+      </a:ln>
+    </cs:spPr>
+  </cs:gridlineMajor>
+  <cs:gridlineMinor>
+    <cs:lnRef idx="0"/>
+    <cs:fillRef idx="0"/>
+    <cs:effectRef idx="0"/>
+    <cs:fontRef idx="minor">
+      <a:schemeClr val="tx1"/>
+    </cs:fontRef>
+    <cs:spPr>
+      <a:ln w="9525" cap="flat" cmpd="sng" algn="ctr">
+        <a:solidFill>
+          <a:schemeClr val="tx1">
+            <a:lumMod val="5000"/>
+            <a:lumOff val="95000"/>
+          </a:schemeClr>
+        </a:solidFill>
+        <a:round/>
+      </a:ln>
+    </cs:spPr>
+  </cs:gridlineMinor>
+  <cs:hiLoLine>
+    <cs:lnRef idx="0"/>
+    <cs:fillRef idx="0"/>
+    <cs:effectRef idx="0"/>
+    <cs:fontRef idx="minor">
+      <a:schemeClr val="tx1"/>
+    </cs:fontRef>
+    <cs:spPr>
+      <a:ln w="9525" cap="flat" cmpd="sng" algn="ctr">
+        <a:solidFill>
+          <a:schemeClr val="tx1">
+            <a:lumMod val="75000"/>
+            <a:lumOff val="25000"/>
+          </a:schemeClr>
+        </a:solidFill>
+        <a:round/>
+      </a:ln>
+    </cs:spPr>
+  </cs:hiLoLine>
+  <cs:leaderLine>
+    <cs:lnRef idx="0"/>
+    <cs:fillRef idx="0"/>
+    <cs:effectRef idx="0"/>
+    <cs:fontRef idx="minor">
+      <a:schemeClr val="tx1"/>
+    </cs:fontRef>
+    <cs:spPr>
+      <a:ln w="9525" cap="flat" cmpd="sng" algn="ctr">
+        <a:solidFill>
+          <a:schemeClr val="tx1">
+            <a:lumMod val="35000"/>
+            <a:lumOff val="65000"/>
+          </a:schemeClr>
+        </a:solidFill>
+        <a:round/>
+      </a:ln>
+    </cs:spPr>
+  </cs:leaderLine>
+  <cs:legend>
+    <cs:lnRef idx="0"/>
+    <cs:fillRef idx="0"/>
+    <cs:effectRef idx="0"/>
+    <cs:fontRef idx="minor">
+      <a:schemeClr val="tx1">
+        <a:lumMod val="65000"/>
+        <a:lumOff val="35000"/>
+      </a:schemeClr>
+    </cs:fontRef>
+    <cs:defRPr sz="1197" kern="1200"/>
+  </cs:legend>
+  <cs:plotArea mods="allowNoFillOverride allowNoLineOverride">
+    <cs:lnRef idx="0"/>
+    <cs:fillRef idx="0"/>
+    <cs:effectRef idx="0"/>
+    <cs:fontRef idx="minor">
+      <a:schemeClr val="tx1"/>
+    </cs:fontRef>
+  </cs:plotArea>
+  <cs:plotArea3D mods="allowNoFillOverride allowNoLineOverride">
+    <cs:lnRef idx="0"/>
+    <cs:fillRef idx="0"/>
+    <cs:effectRef idx="0"/>
+    <cs:fontRef idx="minor">
+      <a:schemeClr val="tx1"/>
+    </cs:fontRef>
+  </cs:plotArea3D>
+  <cs:seriesAxis>
+    <cs:lnRef idx="0"/>
+    <cs:fillRef idx="0"/>
+    <cs:effectRef idx="0"/>
+    <cs:fontRef idx="minor">
+      <a:schemeClr val="tx1">
+        <a:lumMod val="65000"/>
+        <a:lumOff val="35000"/>
+      </a:schemeClr>
+    </cs:fontRef>
+    <cs:defRPr sz="1197" kern="1200"/>
+  </cs:seriesAxis>
+  <cs:seriesLine>
+    <cs:lnRef idx="0"/>
+    <cs:fillRef idx="0"/>
+    <cs:effectRef idx="0"/>
+    <cs:fontRef idx="minor">
+      <a:schemeClr val="tx1"/>
+    </cs:fontRef>
+    <cs:spPr>
+      <a:ln w="9525" cap="flat" cmpd="sng" algn="ctr">
+        <a:solidFill>
+          <a:schemeClr val="tx1">
+            <a:lumMod val="35000"/>
+            <a:lumOff val="65000"/>
+          </a:schemeClr>
+        </a:solidFill>
+        <a:round/>
+      </a:ln>
+    </cs:spPr>
+  </cs:seriesLine>
+  <cs:title>
+    <cs:lnRef idx="0"/>
+    <cs:fillRef idx="0"/>
+    <cs:effectRef idx="0"/>
+    <cs:fontRef idx="minor">
+      <a:schemeClr val="tx1">
+        <a:lumMod val="65000"/>
+        <a:lumOff val="35000"/>
+      </a:schemeClr>
+    </cs:fontRef>
+    <cs:defRPr sz="1862" b="0" kern="1200" spc="0" baseline="0"/>
+  </cs:title>
+  <cs:trendline>
+    <cs:lnRef idx="0">
+      <cs:styleClr val="auto"/>
+    </cs:lnRef>
+    <cs:fillRef idx="0"/>
+    <cs:effectRef idx="0"/>
+    <cs:fontRef idx="minor">
+      <a:schemeClr val="tx1"/>
+    </cs:fontRef>
+    <cs:spPr>
+      <a:ln w="19050" cap="rnd">
+        <a:solidFill>
+          <a:schemeClr val="phClr"/>
+        </a:solidFill>
+        <a:prstDash val="sysDot"/>
+      </a:ln>
+    </cs:spPr>
+  </cs:trendline>
+  <cs:trendlineLabel>
+    <cs:lnRef idx="0"/>
+    <cs:fillRef idx="0"/>
+    <cs:effectRef idx="0"/>
+    <cs:fontRef idx="minor">
+      <a:schemeClr val="tx1">
+        <a:lumMod val="65000"/>
+        <a:lumOff val="35000"/>
+      </a:schemeClr>
+    </cs:fontRef>
+    <cs:defRPr sz="1197" kern="1200"/>
+  </cs:trendlineLabel>
+  <cs:upBar>
+    <cs:lnRef idx="0"/>
+    <cs:fillRef idx="0"/>
+    <cs:effectRef idx="0"/>
+    <cs:fontRef idx="minor">
+      <a:schemeClr val="dk1"/>
+    </cs:fontRef>
+    <cs:spPr>
+      <a:solidFill>
+        <a:schemeClr val="lt1"/>
+      </a:solidFill>
+      <a:ln w="9525">
+        <a:solidFill>
+          <a:schemeClr val="tx1">
+            <a:lumMod val="15000"/>
+            <a:lumOff val="85000"/>
+          </a:schemeClr>
+        </a:solidFill>
+      </a:ln>
+    </cs:spPr>
+  </cs:upBar>
+  <cs:valueAxis>
+    <cs:lnRef idx="0"/>
+    <cs:fillRef idx="0"/>
+    <cs:effectRef idx="0"/>
+    <cs:fontRef idx="minor">
+      <a:schemeClr val="tx1">
+        <a:lumMod val="65000"/>
+        <a:lumOff val="35000"/>
+      </a:schemeClr>
+    </cs:fontRef>
+    <cs:defRPr sz="1197" kern="1200"/>
+  </cs:valueAxis>
+  <cs:wall>
+    <cs:lnRef idx="0"/>
+    <cs:fillRef idx="0"/>
+    <cs:effectRef idx="0"/>
+    <cs:fontRef idx="minor">
+      <a:schemeClr val="tx1"/>
+    </cs:fontRef>
+    <cs:spPr>
+      <a:noFill/>
+      <a:ln>
+        <a:noFill/>
+      </a:ln>
+    </cs:spPr>
+  </cs:wall>
+</cs:chartStyle>
+</file>
+
 <file path=ppt/notesMasters/notesMaster1.xml><?xml version="1.0" encoding="utf-8"?>
 <p:notesMaster xmlns:a="http://schemas.openxmlformats.org/drawingml/2006/main" xmlns:r="http://schemas.openxmlformats.org/officeDocument/2006/relationships" xmlns:p="http://schemas.openxmlformats.org/presentationml/2006/main">
   <p:cSld>
@@ -203,7 +2802,7 @@
           <a:p>
             <a:fld id="{126B16E4-9095-4FB4-A712-720F06028263}" type="datetimeFigureOut">
               <a:rPr lang="zh-CN" altLang="en-US" smtClean="0"/>
-              <a:t>2018/12/6</a:t>
+              <a:t>2018/12/7</a:t>
             </a:fld>
             <a:endParaRPr lang="zh-CN" altLang="en-US"/>
           </a:p>
@@ -470,6 +3069,174 @@
 </p:notesMaster>
 </file>
 
+<file path=ppt/notesSlides/notesSlide1.xml><?xml version="1.0" encoding="utf-8"?>
+<p:notes xmlns:a="http://schemas.openxmlformats.org/drawingml/2006/main" xmlns:r="http://schemas.openxmlformats.org/officeDocument/2006/relationships" xmlns:p="http://schemas.openxmlformats.org/presentationml/2006/main">
+  <p:cSld>
+    <p:spTree>
+      <p:nvGrpSpPr>
+        <p:cNvPr id="1" name=""/>
+        <p:cNvGrpSpPr/>
+        <p:nvPr/>
+      </p:nvGrpSpPr>
+      <p:grpSpPr>
+        <a:xfrm>
+          <a:off x="0" y="0"/>
+          <a:ext cx="0" cy="0"/>
+          <a:chOff x="0" y="0"/>
+          <a:chExt cx="0" cy="0"/>
+        </a:xfrm>
+      </p:grpSpPr>
+      <p:sp>
+        <p:nvSpPr>
+          <p:cNvPr id="2" name="幻灯片图像占位符 1"/>
+          <p:cNvSpPr>
+            <a:spLocks noGrp="1" noRot="1" noChangeAspect="1"/>
+          </p:cNvSpPr>
+          <p:nvPr>
+            <p:ph type="sldImg"/>
+          </p:nvPr>
+        </p:nvSpPr>
+        <p:spPr/>
+      </p:sp>
+      <p:sp>
+        <p:nvSpPr>
+          <p:cNvPr id="3" name="备注占位符 2"/>
+          <p:cNvSpPr>
+            <a:spLocks noGrp="1"/>
+          </p:cNvSpPr>
+          <p:nvPr>
+            <p:ph type="body" idx="1"/>
+          </p:nvPr>
+        </p:nvSpPr>
+        <p:spPr/>
+        <p:txBody>
+          <a:bodyPr/>
+          <a:lstStyle/>
+          <a:p>
+            <a:endParaRPr lang="zh-CN" altLang="en-US" dirty="0"/>
+          </a:p>
+        </p:txBody>
+      </p:sp>
+      <p:sp>
+        <p:nvSpPr>
+          <p:cNvPr id="4" name="灯片编号占位符 3"/>
+          <p:cNvSpPr>
+            <a:spLocks noGrp="1"/>
+          </p:cNvSpPr>
+          <p:nvPr>
+            <p:ph type="sldNum" sz="quarter" idx="5"/>
+          </p:nvPr>
+        </p:nvSpPr>
+        <p:spPr/>
+        <p:txBody>
+          <a:bodyPr/>
+          <a:lstStyle/>
+          <a:p>
+            <a:fld id="{4FA2FA83-EF89-4A0B-80C8-FD112F1978BC}" type="slidenum">
+              <a:rPr lang="zh-CN" altLang="en-US" smtClean="0"/>
+              <a:t>9</a:t>
+            </a:fld>
+            <a:endParaRPr lang="zh-CN" altLang="en-US"/>
+          </a:p>
+        </p:txBody>
+      </p:sp>
+    </p:spTree>
+    <p:extLst>
+      <p:ext uri="{BB962C8B-B14F-4D97-AF65-F5344CB8AC3E}">
+        <p14:creationId xmlns:p14="http://schemas.microsoft.com/office/powerpoint/2010/main" val="3818966004"/>
+      </p:ext>
+    </p:extLst>
+  </p:cSld>
+  <p:clrMapOvr>
+    <a:masterClrMapping/>
+  </p:clrMapOvr>
+</p:notes>
+</file>
+
+<file path=ppt/notesSlides/notesSlide2.xml><?xml version="1.0" encoding="utf-8"?>
+<p:notes xmlns:a="http://schemas.openxmlformats.org/drawingml/2006/main" xmlns:r="http://schemas.openxmlformats.org/officeDocument/2006/relationships" xmlns:p="http://schemas.openxmlformats.org/presentationml/2006/main">
+  <p:cSld>
+    <p:spTree>
+      <p:nvGrpSpPr>
+        <p:cNvPr id="1" name=""/>
+        <p:cNvGrpSpPr/>
+        <p:nvPr/>
+      </p:nvGrpSpPr>
+      <p:grpSpPr>
+        <a:xfrm>
+          <a:off x="0" y="0"/>
+          <a:ext cx="0" cy="0"/>
+          <a:chOff x="0" y="0"/>
+          <a:chExt cx="0" cy="0"/>
+        </a:xfrm>
+      </p:grpSpPr>
+      <p:sp>
+        <p:nvSpPr>
+          <p:cNvPr id="2" name="幻灯片图像占位符 1"/>
+          <p:cNvSpPr>
+            <a:spLocks noGrp="1" noRot="1" noChangeAspect="1"/>
+          </p:cNvSpPr>
+          <p:nvPr>
+            <p:ph type="sldImg"/>
+          </p:nvPr>
+        </p:nvSpPr>
+        <p:spPr/>
+      </p:sp>
+      <p:sp>
+        <p:nvSpPr>
+          <p:cNvPr id="3" name="备注占位符 2"/>
+          <p:cNvSpPr>
+            <a:spLocks noGrp="1"/>
+          </p:cNvSpPr>
+          <p:nvPr>
+            <p:ph type="body" idx="1"/>
+          </p:nvPr>
+        </p:nvSpPr>
+        <p:spPr/>
+        <p:txBody>
+          <a:bodyPr/>
+          <a:lstStyle/>
+          <a:p>
+            <a:endParaRPr lang="zh-CN" altLang="en-US" dirty="0"/>
+          </a:p>
+        </p:txBody>
+      </p:sp>
+      <p:sp>
+        <p:nvSpPr>
+          <p:cNvPr id="4" name="灯片编号占位符 3"/>
+          <p:cNvSpPr>
+            <a:spLocks noGrp="1"/>
+          </p:cNvSpPr>
+          <p:nvPr>
+            <p:ph type="sldNum" sz="quarter" idx="5"/>
+          </p:nvPr>
+        </p:nvSpPr>
+        <p:spPr/>
+        <p:txBody>
+          <a:bodyPr/>
+          <a:lstStyle/>
+          <a:p>
+            <a:fld id="{4FA2FA83-EF89-4A0B-80C8-FD112F1978BC}" type="slidenum">
+              <a:rPr lang="zh-CN" altLang="en-US" smtClean="0"/>
+              <a:t>10</a:t>
+            </a:fld>
+            <a:endParaRPr lang="zh-CN" altLang="en-US"/>
+          </a:p>
+        </p:txBody>
+      </p:sp>
+    </p:spTree>
+    <p:extLst>
+      <p:ext uri="{BB962C8B-B14F-4D97-AF65-F5344CB8AC3E}">
+        <p14:creationId xmlns:p14="http://schemas.microsoft.com/office/powerpoint/2010/main" val="508740250"/>
+      </p:ext>
+    </p:extLst>
+  </p:cSld>
+  <p:clrMapOvr>
+    <a:masterClrMapping/>
+  </p:clrMapOvr>
+</p:notes>
+</file>
+
 <file path=ppt/slideLayouts/slideLayout1.xml><?xml version="1.0" encoding="utf-8"?>
 <p:sldLayout xmlns:a="http://schemas.openxmlformats.org/drawingml/2006/main" xmlns:r="http://schemas.openxmlformats.org/officeDocument/2006/relationships" xmlns:p="http://schemas.openxmlformats.org/presentationml/2006/main" type="title" preserve="1">
   <p:cSld name="标题幻灯片">
@@ -599,7 +3366,7 @@
           <a:p>
             <a:fld id="{8C29A672-F314-4E1F-B93A-84EB91B50C73}" type="datetimeFigureOut">
               <a:rPr lang="zh-CN" altLang="en-US" smtClean="0"/>
-              <a:t>2018/12/6</a:t>
+              <a:t>2018/12/7</a:t>
             </a:fld>
             <a:endParaRPr lang="zh-CN" altLang="en-US"/>
           </a:p>
@@ -767,7 +3534,7 @@
           <a:p>
             <a:fld id="{8C29A672-F314-4E1F-B93A-84EB91B50C73}" type="datetimeFigureOut">
               <a:rPr lang="zh-CN" altLang="en-US" smtClean="0"/>
-              <a:t>2018/12/6</a:t>
+              <a:t>2018/12/7</a:t>
             </a:fld>
             <a:endParaRPr lang="zh-CN" altLang="en-US"/>
           </a:p>
@@ -945,7 +3712,7 @@
           <a:p>
             <a:fld id="{8C29A672-F314-4E1F-B93A-84EB91B50C73}" type="datetimeFigureOut">
               <a:rPr lang="zh-CN" altLang="en-US" smtClean="0"/>
-              <a:t>2018/12/6</a:t>
+              <a:t>2018/12/7</a:t>
             </a:fld>
             <a:endParaRPr lang="zh-CN" altLang="en-US"/>
           </a:p>
@@ -1113,7 +3880,7 @@
           <a:p>
             <a:fld id="{8C29A672-F314-4E1F-B93A-84EB91B50C73}" type="datetimeFigureOut">
               <a:rPr lang="zh-CN" altLang="en-US" smtClean="0"/>
-              <a:t>2018/12/6</a:t>
+              <a:t>2018/12/7</a:t>
             </a:fld>
             <a:endParaRPr lang="zh-CN" altLang="en-US"/>
           </a:p>
@@ -1358,7 +4125,7 @@
           <a:p>
             <a:fld id="{8C29A672-F314-4E1F-B93A-84EB91B50C73}" type="datetimeFigureOut">
               <a:rPr lang="zh-CN" altLang="en-US" smtClean="0"/>
-              <a:t>2018/12/6</a:t>
+              <a:t>2018/12/7</a:t>
             </a:fld>
             <a:endParaRPr lang="zh-CN" altLang="en-US"/>
           </a:p>
@@ -1587,7 +4354,7 @@
           <a:p>
             <a:fld id="{8C29A672-F314-4E1F-B93A-84EB91B50C73}" type="datetimeFigureOut">
               <a:rPr lang="zh-CN" altLang="en-US" smtClean="0"/>
-              <a:t>2018/12/6</a:t>
+              <a:t>2018/12/7</a:t>
             </a:fld>
             <a:endParaRPr lang="zh-CN" altLang="en-US"/>
           </a:p>
@@ -1951,7 +4718,7 @@
           <a:p>
             <a:fld id="{8C29A672-F314-4E1F-B93A-84EB91B50C73}" type="datetimeFigureOut">
               <a:rPr lang="zh-CN" altLang="en-US" smtClean="0"/>
-              <a:t>2018/12/6</a:t>
+              <a:t>2018/12/7</a:t>
             </a:fld>
             <a:endParaRPr lang="zh-CN" altLang="en-US"/>
           </a:p>
@@ -2068,7 +4835,7 @@
           <a:p>
             <a:fld id="{8C29A672-F314-4E1F-B93A-84EB91B50C73}" type="datetimeFigureOut">
               <a:rPr lang="zh-CN" altLang="en-US" smtClean="0"/>
-              <a:t>2018/12/6</a:t>
+              <a:t>2018/12/7</a:t>
             </a:fld>
             <a:endParaRPr lang="zh-CN" altLang="en-US"/>
           </a:p>
@@ -2163,7 +4930,7 @@
           <a:p>
             <a:fld id="{8C29A672-F314-4E1F-B93A-84EB91B50C73}" type="datetimeFigureOut">
               <a:rPr lang="zh-CN" altLang="en-US" smtClean="0"/>
-              <a:t>2018/12/6</a:t>
+              <a:t>2018/12/7</a:t>
             </a:fld>
             <a:endParaRPr lang="zh-CN" altLang="en-US"/>
           </a:p>
@@ -2438,7 +5205,7 @@
           <a:p>
             <a:fld id="{8C29A672-F314-4E1F-B93A-84EB91B50C73}" type="datetimeFigureOut">
               <a:rPr lang="zh-CN" altLang="en-US" smtClean="0"/>
-              <a:t>2018/12/6</a:t>
+              <a:t>2018/12/7</a:t>
             </a:fld>
             <a:endParaRPr lang="zh-CN" altLang="en-US"/>
           </a:p>
@@ -2690,7 +5457,7 @@
           <a:p>
             <a:fld id="{8C29A672-F314-4E1F-B93A-84EB91B50C73}" type="datetimeFigureOut">
               <a:rPr lang="zh-CN" altLang="en-US" smtClean="0"/>
-              <a:t>2018/12/6</a:t>
+              <a:t>2018/12/7</a:t>
             </a:fld>
             <a:endParaRPr lang="zh-CN" altLang="en-US"/>
           </a:p>
@@ -2901,7 +5668,7 @@
           <a:p>
             <a:fld id="{8C29A672-F314-4E1F-B93A-84EB91B50C73}" type="datetimeFigureOut">
               <a:rPr lang="zh-CN" altLang="en-US" smtClean="0"/>
-              <a:t>2018/12/6</a:t>
+              <a:t>2018/12/7</a:t>
             </a:fld>
             <a:endParaRPr lang="zh-CN" altLang="en-US"/>
           </a:p>
@@ -3379,6 +6146,100 @@
 </p:sld>
 </file>
 
+<file path=ppt/slides/slide10.xml><?xml version="1.0" encoding="utf-8"?>
+<p:sld xmlns:a="http://schemas.openxmlformats.org/drawingml/2006/main" xmlns:r="http://schemas.openxmlformats.org/officeDocument/2006/relationships" xmlns:p="http://schemas.openxmlformats.org/presentationml/2006/main">
+  <p:cSld>
+    <p:spTree>
+      <p:nvGrpSpPr>
+        <p:cNvPr id="1" name=""/>
+        <p:cNvGrpSpPr/>
+        <p:nvPr/>
+      </p:nvGrpSpPr>
+      <p:grpSpPr>
+        <a:xfrm>
+          <a:off x="0" y="0"/>
+          <a:ext cx="0" cy="0"/>
+          <a:chOff x="0" y="0"/>
+          <a:chExt cx="0" cy="0"/>
+        </a:xfrm>
+      </p:grpSpPr>
+      <p:sp>
+        <p:nvSpPr>
+          <p:cNvPr id="2" name="标题 1">
+            <a:extLst>
+              <a:ext uri="{FF2B5EF4-FFF2-40B4-BE49-F238E27FC236}">
+                <a16:creationId xmlns:a16="http://schemas.microsoft.com/office/drawing/2014/main" id="{F1049F36-EF22-4067-BDCE-D4667586B1D6}"/>
+              </a:ext>
+            </a:extLst>
+          </p:cNvPr>
+          <p:cNvSpPr>
+            <a:spLocks noGrp="1"/>
+          </p:cNvSpPr>
+          <p:nvPr>
+            <p:ph type="title"/>
+          </p:nvPr>
+        </p:nvSpPr>
+        <p:spPr>
+          <a:xfrm>
+            <a:off x="838200" y="365126"/>
+            <a:ext cx="10515600" cy="957648"/>
+          </a:xfrm>
+        </p:spPr>
+        <p:txBody>
+          <a:bodyPr/>
+          <a:lstStyle/>
+          <a:p>
+            <a:r>
+              <a:rPr lang="zh-CN" altLang="en-US" dirty="0"/>
+              <a:t>测试结果</a:t>
+            </a:r>
+          </a:p>
+        </p:txBody>
+      </p:sp>
+      <p:graphicFrame>
+        <p:nvGraphicFramePr>
+          <p:cNvPr id="7" name="内容占位符 6">
+            <a:extLst>
+              <a:ext uri="{FF2B5EF4-FFF2-40B4-BE49-F238E27FC236}">
+                <a16:creationId xmlns:a16="http://schemas.microsoft.com/office/drawing/2014/main" id="{91AA60A6-D313-4442-BFE4-AA82551050C3}"/>
+              </a:ext>
+            </a:extLst>
+          </p:cNvPr>
+          <p:cNvGraphicFramePr>
+            <a:graphicFrameLocks noGrp="1"/>
+          </p:cNvGraphicFramePr>
+          <p:nvPr>
+            <p:ph idx="1"/>
+            <p:extLst>
+              <p:ext uri="{D42A27DB-BD31-4B8C-83A1-F6EECF244321}">
+                <p14:modId xmlns:p14="http://schemas.microsoft.com/office/powerpoint/2010/main" val="2695639848"/>
+              </p:ext>
+            </p:extLst>
+          </p:nvPr>
+        </p:nvGraphicFramePr>
+        <p:xfrm>
+          <a:off x="838200" y="1411550"/>
+          <a:ext cx="10515600" cy="4765413"/>
+        </p:xfrm>
+        <a:graphic>
+          <a:graphicData uri="http://schemas.openxmlformats.org/drawingml/2006/chart">
+            <c:chart xmlns:c="http://schemas.openxmlformats.org/drawingml/2006/chart" xmlns:r="http://schemas.openxmlformats.org/officeDocument/2006/relationships" r:id="rId3"/>
+          </a:graphicData>
+        </a:graphic>
+      </p:graphicFrame>
+    </p:spTree>
+    <p:extLst>
+      <p:ext uri="{BB962C8B-B14F-4D97-AF65-F5344CB8AC3E}">
+        <p14:creationId xmlns:p14="http://schemas.microsoft.com/office/powerpoint/2010/main" val="1046324791"/>
+      </p:ext>
+    </p:extLst>
+  </p:cSld>
+  <p:clrMapOvr>
+    <a:masterClrMapping/>
+  </p:clrMapOvr>
+</p:sld>
+</file>
+
 <file path=ppt/slides/slide2.xml><?xml version="1.0" encoding="utf-8"?>
 <p:sld xmlns:a="http://schemas.openxmlformats.org/drawingml/2006/main" xmlns:r="http://schemas.openxmlformats.org/officeDocument/2006/relationships" xmlns:p="http://schemas.openxmlformats.org/presentationml/2006/main">
   <p:cSld>
@@ -3420,7 +6281,7 @@
           <a:p>
             <a:r>
               <a:rPr lang="zh-CN" altLang="en-US" dirty="0"/>
-              <a:t>特征描述：归一化中心距</a:t>
+              <a:t>特征描述：归一化中心矩</a:t>
             </a:r>
           </a:p>
         </p:txBody>
@@ -3599,7 +6460,7 @@
                 </a:r>
                 <a:r>
                   <a:rPr lang="en-US" altLang="zh-CN" dirty="0" err="1"/>
-                  <a:t>P+q</a:t>
+                  <a:t>p+q</a:t>
                 </a:r>
                 <a:r>
                   <a:rPr lang="en-US" altLang="zh-CN" dirty="0"/>
@@ -4629,8 +7490,8 @@
           </a:p>
         </p:txBody>
       </p:sp>
-      <mc:AlternateContent xmlns:mc="http://schemas.openxmlformats.org/markup-compatibility/2006">
-        <mc:Choice xmlns:a14="http://schemas.microsoft.com/office/drawing/2010/main" Requires="a14">
+      <mc:AlternateContent xmlns:mc="http://schemas.openxmlformats.org/markup-compatibility/2006" xmlns:a14="http://schemas.microsoft.com/office/drawing/2010/main">
+        <mc:Choice Requires="a14">
           <p:sp>
             <p:nvSpPr>
               <p:cNvPr id="3" name="内容占位符 2"/>
@@ -4978,7 +7839,7 @@
             </p:txBody>
           </p:sp>
         </mc:Choice>
-        <mc:Fallback>
+        <mc:Fallback xmlns="">
           <p:sp>
             <p:nvSpPr>
               <p:cNvPr id="3" name="内容占位符 2"/>
@@ -5355,7 +8216,7 @@
             </a:r>
             <a:r>
               <a:rPr lang="zh-CN" altLang="en-US" dirty="0"/>
-              <a:t>倍各随机生成</a:t>
+              <a:t>倍，各随机生成</a:t>
             </a:r>
             <a:r>
               <a:rPr lang="en-US" altLang="zh-CN" dirty="0"/>
@@ -5363,7 +8224,45 @@
             </a:r>
             <a:r>
               <a:rPr lang="zh-CN" altLang="en-US" dirty="0"/>
-              <a:t>张不同偏转角度</a:t>
+              <a:t>张不同偏转角度的二维图像。</a:t>
+            </a:r>
+            <a:endParaRPr lang="en-US" altLang="zh-CN" dirty="0"/>
+          </a:p>
+          <a:p>
+            <a:r>
+              <a:rPr lang="zh-CN" altLang="en-US" dirty="0"/>
+              <a:t>偏转角度为</a:t>
+            </a:r>
+            <a:r>
+              <a:rPr lang="en-US" altLang="zh-CN" dirty="0"/>
+              <a:t>-5</a:t>
+            </a:r>
+            <a:r>
+              <a:rPr lang="zh-CN" altLang="en-US" dirty="0"/>
+              <a:t>到</a:t>
+            </a:r>
+            <a:r>
+              <a:rPr lang="en-US" altLang="zh-CN" dirty="0"/>
+              <a:t>5</a:t>
+            </a:r>
+            <a:r>
+              <a:rPr lang="zh-CN" altLang="en-US" dirty="0"/>
+              <a:t>度之间，保留一位小数。</a:t>
+            </a:r>
+            <a:endParaRPr lang="en-US" altLang="zh-CN" dirty="0"/>
+          </a:p>
+          <a:p>
+            <a:r>
+              <a:rPr lang="zh-CN" altLang="en-US" dirty="0"/>
+              <a:t>共有</a:t>
+            </a:r>
+            <a:r>
+              <a:rPr lang="en-US" altLang="zh-CN" dirty="0"/>
+              <a:t>11</a:t>
+            </a:r>
+            <a:r>
+              <a:rPr lang="zh-CN" altLang="en-US" dirty="0"/>
+              <a:t>个不同放缩比例的测试图像数据集，每个数据集的对应图像偏转角度相同。</a:t>
             </a:r>
           </a:p>
         </p:txBody>
@@ -5372,6 +8271,242 @@
     <p:extLst>
       <p:ext uri="{BB962C8B-B14F-4D97-AF65-F5344CB8AC3E}">
         <p14:creationId xmlns:p14="http://schemas.microsoft.com/office/powerpoint/2010/main" val="4068876818"/>
+      </p:ext>
+    </p:extLst>
+  </p:cSld>
+  <p:clrMapOvr>
+    <a:masterClrMapping/>
+  </p:clrMapOvr>
+</p:sld>
+</file>
+
+<file path=ppt/slides/slide8.xml><?xml version="1.0" encoding="utf-8"?>
+<p:sld xmlns:a="http://schemas.openxmlformats.org/drawingml/2006/main" xmlns:r="http://schemas.openxmlformats.org/officeDocument/2006/relationships" xmlns:p="http://schemas.openxmlformats.org/presentationml/2006/main">
+  <p:cSld>
+    <p:spTree>
+      <p:nvGrpSpPr>
+        <p:cNvPr id="1" name=""/>
+        <p:cNvGrpSpPr/>
+        <p:nvPr/>
+      </p:nvGrpSpPr>
+      <p:grpSpPr>
+        <a:xfrm>
+          <a:off x="0" y="0"/>
+          <a:ext cx="0" cy="0"/>
+          <a:chOff x="0" y="0"/>
+          <a:chExt cx="0" cy="0"/>
+        </a:xfrm>
+      </p:grpSpPr>
+      <p:sp>
+        <p:nvSpPr>
+          <p:cNvPr id="2" name="标题 1"/>
+          <p:cNvSpPr>
+            <a:spLocks noGrp="1"/>
+          </p:cNvSpPr>
+          <p:nvPr>
+            <p:ph type="title"/>
+          </p:nvPr>
+        </p:nvSpPr>
+        <p:spPr/>
+        <p:txBody>
+          <a:bodyPr/>
+          <a:lstStyle/>
+          <a:p>
+            <a:r>
+              <a:rPr lang="zh-CN" altLang="en-US" dirty="0"/>
+              <a:t>测试</a:t>
+            </a:r>
+          </a:p>
+        </p:txBody>
+      </p:sp>
+      <p:sp>
+        <p:nvSpPr>
+          <p:cNvPr id="3" name="内容占位符 2"/>
+          <p:cNvSpPr>
+            <a:spLocks noGrp="1"/>
+          </p:cNvSpPr>
+          <p:nvPr>
+            <p:ph idx="1"/>
+          </p:nvPr>
+        </p:nvSpPr>
+        <p:spPr/>
+        <p:txBody>
+          <a:bodyPr/>
+          <a:lstStyle/>
+          <a:p>
+            <a:r>
+              <a:rPr lang="zh-CN" altLang="en-US" dirty="0"/>
+              <a:t>提取测试图片的归一化中心矩，计算其与模型库中的每条数据的曼哈顿距离（</a:t>
+            </a:r>
+            <a:r>
+              <a:rPr lang="en-US" altLang="zh-CN" dirty="0"/>
+              <a:t>L1</a:t>
+            </a:r>
+            <a:r>
+              <a:rPr lang="zh-CN" altLang="en-US" dirty="0"/>
+              <a:t>）或欧氏距离（</a:t>
+            </a:r>
+            <a:r>
+              <a:rPr lang="en-US" altLang="zh-CN" dirty="0"/>
+              <a:t>L2</a:t>
+            </a:r>
+            <a:r>
+              <a:rPr lang="zh-CN" altLang="en-US" dirty="0"/>
+              <a:t>）。</a:t>
+            </a:r>
+            <a:endParaRPr lang="en-US" altLang="zh-CN" dirty="0"/>
+          </a:p>
+          <a:p>
+            <a:r>
+              <a:rPr lang="zh-CN" altLang="en-US" dirty="0"/>
+              <a:t>判断与目标图像距离最小的数据对应的偏转角度为该目标图像的偏转角度</a:t>
+            </a:r>
+            <a:endParaRPr lang="en-US" altLang="zh-CN" dirty="0"/>
+          </a:p>
+          <a:p>
+            <a:r>
+              <a:rPr lang="zh-CN" altLang="en-US" dirty="0"/>
+              <a:t>当目标图像的某一维度的预计偏转角与实际偏转角相差小于或等于</a:t>
+            </a:r>
+            <a:r>
+              <a:rPr lang="en-US" altLang="zh-CN" dirty="0"/>
+              <a:t>0.2</a:t>
+            </a:r>
+            <a:r>
+              <a:rPr lang="zh-CN" altLang="en-US" dirty="0"/>
+              <a:t>度时，认为该维度预计结果正确</a:t>
+            </a:r>
+            <a:endParaRPr lang="en-US" altLang="zh-CN" dirty="0"/>
+          </a:p>
+          <a:p>
+            <a:r>
+              <a:rPr lang="zh-CN" altLang="en-US" dirty="0"/>
+              <a:t>分别统计</a:t>
+            </a:r>
+            <a:r>
+              <a:rPr lang="en-US" altLang="zh-CN" dirty="0"/>
+              <a:t>1000</a:t>
+            </a:r>
+            <a:r>
+              <a:rPr lang="zh-CN" altLang="en-US" dirty="0"/>
+              <a:t>张图像的预计结果中：三个偏转角正确，两个偏转角正确，一个偏转角正确，没有偏转角正确的个数</a:t>
+            </a:r>
+            <a:endParaRPr lang="en-US" altLang="zh-CN" dirty="0"/>
+          </a:p>
+          <a:p>
+            <a:r>
+              <a:rPr lang="zh-CN" altLang="en-US" dirty="0"/>
+              <a:t>在生成的</a:t>
+            </a:r>
+            <a:r>
+              <a:rPr lang="en-US" altLang="zh-CN" dirty="0"/>
+              <a:t>11</a:t>
+            </a:r>
+            <a:r>
+              <a:rPr lang="zh-CN" altLang="en-US" dirty="0"/>
+              <a:t>个不同尺度的数据集中重复上述操作</a:t>
+            </a:r>
+          </a:p>
+        </p:txBody>
+      </p:sp>
+    </p:spTree>
+    <p:extLst>
+      <p:ext uri="{BB962C8B-B14F-4D97-AF65-F5344CB8AC3E}">
+        <p14:creationId xmlns:p14="http://schemas.microsoft.com/office/powerpoint/2010/main" val="396242619"/>
+      </p:ext>
+    </p:extLst>
+  </p:cSld>
+  <p:clrMapOvr>
+    <a:masterClrMapping/>
+  </p:clrMapOvr>
+</p:sld>
+</file>
+
+<file path=ppt/slides/slide9.xml><?xml version="1.0" encoding="utf-8"?>
+<p:sld xmlns:a="http://schemas.openxmlformats.org/drawingml/2006/main" xmlns:r="http://schemas.openxmlformats.org/officeDocument/2006/relationships" xmlns:p="http://schemas.openxmlformats.org/presentationml/2006/main">
+  <p:cSld>
+    <p:spTree>
+      <p:nvGrpSpPr>
+        <p:cNvPr id="1" name=""/>
+        <p:cNvGrpSpPr/>
+        <p:nvPr/>
+      </p:nvGrpSpPr>
+      <p:grpSpPr>
+        <a:xfrm>
+          <a:off x="0" y="0"/>
+          <a:ext cx="0" cy="0"/>
+          <a:chOff x="0" y="0"/>
+          <a:chExt cx="0" cy="0"/>
+        </a:xfrm>
+      </p:grpSpPr>
+      <p:sp>
+        <p:nvSpPr>
+          <p:cNvPr id="2" name="标题 1">
+            <a:extLst>
+              <a:ext uri="{FF2B5EF4-FFF2-40B4-BE49-F238E27FC236}">
+                <a16:creationId xmlns:a16="http://schemas.microsoft.com/office/drawing/2014/main" id="{F1049F36-EF22-4067-BDCE-D4667586B1D6}"/>
+              </a:ext>
+            </a:extLst>
+          </p:cNvPr>
+          <p:cNvSpPr>
+            <a:spLocks noGrp="1"/>
+          </p:cNvSpPr>
+          <p:nvPr>
+            <p:ph type="title"/>
+          </p:nvPr>
+        </p:nvSpPr>
+        <p:spPr>
+          <a:xfrm>
+            <a:off x="838200" y="365126"/>
+            <a:ext cx="10515600" cy="957648"/>
+          </a:xfrm>
+        </p:spPr>
+        <p:txBody>
+          <a:bodyPr/>
+          <a:lstStyle/>
+          <a:p>
+            <a:r>
+              <a:rPr lang="zh-CN" altLang="en-US" dirty="0"/>
+              <a:t>测试结果</a:t>
+            </a:r>
+          </a:p>
+        </p:txBody>
+      </p:sp>
+      <p:graphicFrame>
+        <p:nvGraphicFramePr>
+          <p:cNvPr id="7" name="内容占位符 6">
+            <a:extLst>
+              <a:ext uri="{FF2B5EF4-FFF2-40B4-BE49-F238E27FC236}">
+                <a16:creationId xmlns:a16="http://schemas.microsoft.com/office/drawing/2014/main" id="{91AA60A6-D313-4442-BFE4-AA82551050C3}"/>
+              </a:ext>
+            </a:extLst>
+          </p:cNvPr>
+          <p:cNvGraphicFramePr>
+            <a:graphicFrameLocks noGrp="1"/>
+          </p:cNvGraphicFramePr>
+          <p:nvPr>
+            <p:ph idx="1"/>
+            <p:extLst>
+              <p:ext uri="{D42A27DB-BD31-4B8C-83A1-F6EECF244321}">
+                <p14:modId xmlns:p14="http://schemas.microsoft.com/office/powerpoint/2010/main" val="2623125275"/>
+              </p:ext>
+            </p:extLst>
+          </p:nvPr>
+        </p:nvGraphicFramePr>
+        <p:xfrm>
+          <a:off x="838200" y="1411550"/>
+          <a:ext cx="10515600" cy="4765413"/>
+        </p:xfrm>
+        <a:graphic>
+          <a:graphicData uri="http://schemas.openxmlformats.org/drawingml/2006/chart">
+            <c:chart xmlns:c="http://schemas.openxmlformats.org/drawingml/2006/chart" xmlns:r="http://schemas.openxmlformats.org/officeDocument/2006/relationships" r:id="rId3"/>
+          </a:graphicData>
+        </a:graphic>
+      </p:graphicFrame>
+    </p:spTree>
+    <p:extLst>
+      <p:ext uri="{BB962C8B-B14F-4D97-AF65-F5344CB8AC3E}">
+        <p14:creationId xmlns:p14="http://schemas.microsoft.com/office/powerpoint/2010/main" val="471218666"/>
       </p:ext>
     </p:extLst>
   </p:cSld>
